--- a/analyses/methods_overview/multiomicMethods.pptx
+++ b/analyses/methods_overview/multiomicMethods.pptx
@@ -2,19 +2,19 @@
 <file path=ppt/presentation.xml><?xml version="1.0" encoding="utf-8"?>
 <p:presentation xmlns:a="http://schemas.openxmlformats.org/drawingml/2006/main" xmlns:r="http://schemas.openxmlformats.org/officeDocument/2006/relationships" xmlns:p="http://schemas.openxmlformats.org/presentationml/2006/main" saveSubsetFonts="1" autoCompressPictures="0">
   <p:sldMasterIdLst>
-    <p:sldMasterId id="2147483708" r:id="rId1"/>
+    <p:sldMasterId id="2147483768" r:id="rId1"/>
   </p:sldMasterIdLst>
   <p:sldIdLst>
     <p:sldId id="259" r:id="rId2"/>
   </p:sldIdLst>
-  <p:sldSz cx="18000663" cy="7199313"/>
+  <p:sldSz cx="16919575" cy="11520488"/>
   <p:notesSz cx="6858000" cy="9144000"/>
   <p:defaultTextStyle>
     <a:defPPr>
       <a:defRPr lang="en-US"/>
     </a:defPPr>
-    <a:lvl1pPr marL="0" algn="l" defTabSz="1453073" rtl="0" eaLnBrk="1" latinLnBrk="0" hangingPunct="1">
-      <a:defRPr sz="2860" kern="1200">
+    <a:lvl1pPr marL="0" algn="l" defTabSz="1367487" rtl="0" eaLnBrk="1" latinLnBrk="0" hangingPunct="1">
+      <a:defRPr sz="2692" kern="1200">
         <a:solidFill>
           <a:schemeClr val="tx1"/>
         </a:solidFill>
@@ -23,8 +23,8 @@
         <a:cs typeface="+mn-cs"/>
       </a:defRPr>
     </a:lvl1pPr>
-    <a:lvl2pPr marL="726537" algn="l" defTabSz="1453073" rtl="0" eaLnBrk="1" latinLnBrk="0" hangingPunct="1">
-      <a:defRPr sz="2860" kern="1200">
+    <a:lvl2pPr marL="683744" algn="l" defTabSz="1367487" rtl="0" eaLnBrk="1" latinLnBrk="0" hangingPunct="1">
+      <a:defRPr sz="2692" kern="1200">
         <a:solidFill>
           <a:schemeClr val="tx1"/>
         </a:solidFill>
@@ -33,8 +33,8 @@
         <a:cs typeface="+mn-cs"/>
       </a:defRPr>
     </a:lvl2pPr>
-    <a:lvl3pPr marL="1453073" algn="l" defTabSz="1453073" rtl="0" eaLnBrk="1" latinLnBrk="0" hangingPunct="1">
-      <a:defRPr sz="2860" kern="1200">
+    <a:lvl3pPr marL="1367487" algn="l" defTabSz="1367487" rtl="0" eaLnBrk="1" latinLnBrk="0" hangingPunct="1">
+      <a:defRPr sz="2692" kern="1200">
         <a:solidFill>
           <a:schemeClr val="tx1"/>
         </a:solidFill>
@@ -43,8 +43,8 @@
         <a:cs typeface="+mn-cs"/>
       </a:defRPr>
     </a:lvl3pPr>
-    <a:lvl4pPr marL="2179610" algn="l" defTabSz="1453073" rtl="0" eaLnBrk="1" latinLnBrk="0" hangingPunct="1">
-      <a:defRPr sz="2860" kern="1200">
+    <a:lvl4pPr marL="2051231" algn="l" defTabSz="1367487" rtl="0" eaLnBrk="1" latinLnBrk="0" hangingPunct="1">
+      <a:defRPr sz="2692" kern="1200">
         <a:solidFill>
           <a:schemeClr val="tx1"/>
         </a:solidFill>
@@ -53,8 +53,8 @@
         <a:cs typeface="+mn-cs"/>
       </a:defRPr>
     </a:lvl4pPr>
-    <a:lvl5pPr marL="2906146" algn="l" defTabSz="1453073" rtl="0" eaLnBrk="1" latinLnBrk="0" hangingPunct="1">
-      <a:defRPr sz="2860" kern="1200">
+    <a:lvl5pPr marL="2734974" algn="l" defTabSz="1367487" rtl="0" eaLnBrk="1" latinLnBrk="0" hangingPunct="1">
+      <a:defRPr sz="2692" kern="1200">
         <a:solidFill>
           <a:schemeClr val="tx1"/>
         </a:solidFill>
@@ -63,8 +63,8 @@
         <a:cs typeface="+mn-cs"/>
       </a:defRPr>
     </a:lvl5pPr>
-    <a:lvl6pPr marL="3632683" algn="l" defTabSz="1453073" rtl="0" eaLnBrk="1" latinLnBrk="0" hangingPunct="1">
-      <a:defRPr sz="2860" kern="1200">
+    <a:lvl6pPr marL="3418718" algn="l" defTabSz="1367487" rtl="0" eaLnBrk="1" latinLnBrk="0" hangingPunct="1">
+      <a:defRPr sz="2692" kern="1200">
         <a:solidFill>
           <a:schemeClr val="tx1"/>
         </a:solidFill>
@@ -73,8 +73,8 @@
         <a:cs typeface="+mn-cs"/>
       </a:defRPr>
     </a:lvl6pPr>
-    <a:lvl7pPr marL="4359219" algn="l" defTabSz="1453073" rtl="0" eaLnBrk="1" latinLnBrk="0" hangingPunct="1">
-      <a:defRPr sz="2860" kern="1200">
+    <a:lvl7pPr marL="4102461" algn="l" defTabSz="1367487" rtl="0" eaLnBrk="1" latinLnBrk="0" hangingPunct="1">
+      <a:defRPr sz="2692" kern="1200">
         <a:solidFill>
           <a:schemeClr val="tx1"/>
         </a:solidFill>
@@ -83,8 +83,8 @@
         <a:cs typeface="+mn-cs"/>
       </a:defRPr>
     </a:lvl7pPr>
-    <a:lvl8pPr marL="5085756" algn="l" defTabSz="1453073" rtl="0" eaLnBrk="1" latinLnBrk="0" hangingPunct="1">
-      <a:defRPr sz="2860" kern="1200">
+    <a:lvl8pPr marL="4786205" algn="l" defTabSz="1367487" rtl="0" eaLnBrk="1" latinLnBrk="0" hangingPunct="1">
+      <a:defRPr sz="2692" kern="1200">
         <a:solidFill>
           <a:schemeClr val="tx1"/>
         </a:solidFill>
@@ -93,8 +93,8 @@
         <a:cs typeface="+mn-cs"/>
       </a:defRPr>
     </a:lvl8pPr>
-    <a:lvl9pPr marL="5812292" algn="l" defTabSz="1453073" rtl="0" eaLnBrk="1" latinLnBrk="0" hangingPunct="1">
-      <a:defRPr sz="2860" kern="1200">
+    <a:lvl9pPr marL="5469948" algn="l" defTabSz="1367487" rtl="0" eaLnBrk="1" latinLnBrk="0" hangingPunct="1">
+      <a:defRPr sz="2692" kern="1200">
         <a:solidFill>
           <a:schemeClr val="tx1"/>
         </a:solidFill>
@@ -141,15 +141,15 @@
         </p:nvSpPr>
         <p:spPr>
           <a:xfrm>
-            <a:off x="2250083" y="1178222"/>
-            <a:ext cx="13500497" cy="2506427"/>
+            <a:off x="1268968" y="1885414"/>
+            <a:ext cx="14381639" cy="4010837"/>
           </a:xfrm>
         </p:spPr>
         <p:txBody>
           <a:bodyPr anchor="b"/>
           <a:lstStyle>
             <a:lvl1pPr algn="ctr">
-              <a:defRPr sz="6299"/>
+              <a:defRPr sz="10079"/>
             </a:lvl1pPr>
           </a:lstStyle>
           <a:p>
@@ -173,8 +173,8 @@
         </p:nvSpPr>
         <p:spPr>
           <a:xfrm>
-            <a:off x="2250083" y="3781306"/>
-            <a:ext cx="13500497" cy="1738167"/>
+            <a:off x="2114947" y="6050924"/>
+            <a:ext cx="12689681" cy="2781450"/>
           </a:xfrm>
         </p:spPr>
         <p:txBody>
@@ -182,39 +182,39 @@
           <a:lstStyle>
             <a:lvl1pPr marL="0" indent="0" algn="ctr">
               <a:buNone/>
-              <a:defRPr sz="2520"/>
+              <a:defRPr sz="4032"/>
             </a:lvl1pPr>
-            <a:lvl2pPr marL="479969" indent="0" algn="ctr">
-              <a:buNone/>
-              <a:defRPr sz="2100"/>
+            <a:lvl2pPr marL="768050" indent="0" algn="ctr">
+              <a:buNone/>
+              <a:defRPr sz="3360"/>
             </a:lvl2pPr>
-            <a:lvl3pPr marL="959937" indent="0" algn="ctr">
-              <a:buNone/>
-              <a:defRPr sz="1890"/>
+            <a:lvl3pPr marL="1536101" indent="0" algn="ctr">
+              <a:buNone/>
+              <a:defRPr sz="3024"/>
             </a:lvl3pPr>
-            <a:lvl4pPr marL="1439906" indent="0" algn="ctr">
-              <a:buNone/>
-              <a:defRPr sz="1680"/>
+            <a:lvl4pPr marL="2304151" indent="0" algn="ctr">
+              <a:buNone/>
+              <a:defRPr sz="2688"/>
             </a:lvl4pPr>
-            <a:lvl5pPr marL="1919874" indent="0" algn="ctr">
-              <a:buNone/>
-              <a:defRPr sz="1680"/>
+            <a:lvl5pPr marL="3072201" indent="0" algn="ctr">
+              <a:buNone/>
+              <a:defRPr sz="2688"/>
             </a:lvl5pPr>
-            <a:lvl6pPr marL="2399843" indent="0" algn="ctr">
-              <a:buNone/>
-              <a:defRPr sz="1680"/>
+            <a:lvl6pPr marL="3840251" indent="0" algn="ctr">
+              <a:buNone/>
+              <a:defRPr sz="2688"/>
             </a:lvl6pPr>
-            <a:lvl7pPr marL="2879811" indent="0" algn="ctr">
-              <a:buNone/>
-              <a:defRPr sz="1680"/>
+            <a:lvl7pPr marL="4608302" indent="0" algn="ctr">
+              <a:buNone/>
+              <a:defRPr sz="2688"/>
             </a:lvl7pPr>
-            <a:lvl8pPr marL="3359780" indent="0" algn="ctr">
-              <a:buNone/>
-              <a:defRPr sz="1680"/>
+            <a:lvl8pPr marL="5376352" indent="0" algn="ctr">
+              <a:buNone/>
+              <a:defRPr sz="2688"/>
             </a:lvl8pPr>
-            <a:lvl9pPr marL="3839748" indent="0" algn="ctr">
-              <a:buNone/>
-              <a:defRPr sz="1680"/>
+            <a:lvl9pPr marL="6144402" indent="0" algn="ctr">
+              <a:buNone/>
+              <a:defRPr sz="2688"/>
             </a:lvl9pPr>
           </a:lstStyle>
           <a:p>
@@ -243,7 +243,7 @@
           <a:p>
             <a:fld id="{EB712707-7169-D148-8073-84E947F4F1D8}" type="datetimeFigureOut">
               <a:rPr lang="en-US" smtClean="0"/>
-              <a:t>2/1/18</a:t>
+              <a:t>2/10/18</a:t>
             </a:fld>
             <a:endParaRPr lang="en-US"/>
           </a:p>
@@ -408,7 +408,7 @@
           <a:p>
             <a:fld id="{EB712707-7169-D148-8073-84E947F4F1D8}" type="datetimeFigureOut">
               <a:rPr lang="en-US" smtClean="0"/>
-              <a:t>2/1/18</a:t>
+              <a:t>2/10/18</a:t>
             </a:fld>
             <a:endParaRPr lang="en-US"/>
           </a:p>
@@ -493,8 +493,8 @@
         </p:nvSpPr>
         <p:spPr>
           <a:xfrm>
-            <a:off x="12881724" y="383297"/>
-            <a:ext cx="3881393" cy="6101085"/>
+            <a:off x="12108072" y="613359"/>
+            <a:ext cx="3648283" cy="9763081"/>
           </a:xfrm>
         </p:spPr>
         <p:txBody>
@@ -521,8 +521,8 @@
         </p:nvSpPr>
         <p:spPr>
           <a:xfrm>
-            <a:off x="1237545" y="383297"/>
-            <a:ext cx="11419171" cy="6101085"/>
+            <a:off x="1163222" y="613359"/>
+            <a:ext cx="10733355" cy="9763081"/>
           </a:xfrm>
         </p:spPr>
         <p:txBody>
@@ -583,7 +583,7 @@
           <a:p>
             <a:fld id="{EB712707-7169-D148-8073-84E947F4F1D8}" type="datetimeFigureOut">
               <a:rPr lang="en-US" smtClean="0"/>
-              <a:t>2/1/18</a:t>
+              <a:t>2/10/18</a:t>
             </a:fld>
             <a:endParaRPr lang="en-US"/>
           </a:p>
@@ -748,7 +748,7 @@
           <a:p>
             <a:fld id="{EB712707-7169-D148-8073-84E947F4F1D8}" type="datetimeFigureOut">
               <a:rPr lang="en-US" smtClean="0"/>
-              <a:t>2/1/18</a:t>
+              <a:t>2/10/18</a:t>
             </a:fld>
             <a:endParaRPr lang="en-US"/>
           </a:p>
@@ -833,15 +833,15 @@
         </p:nvSpPr>
         <p:spPr>
           <a:xfrm>
-            <a:off x="1228170" y="1794830"/>
-            <a:ext cx="15525572" cy="2994714"/>
+            <a:off x="1154410" y="2872125"/>
+            <a:ext cx="14593133" cy="4792202"/>
           </a:xfrm>
         </p:spPr>
         <p:txBody>
           <a:bodyPr anchor="b"/>
           <a:lstStyle>
             <a:lvl1pPr>
-              <a:defRPr sz="6299"/>
+              <a:defRPr sz="10079"/>
             </a:lvl1pPr>
           </a:lstStyle>
           <a:p>
@@ -865,8 +865,8 @@
         </p:nvSpPr>
         <p:spPr>
           <a:xfrm>
-            <a:off x="1228170" y="4817875"/>
-            <a:ext cx="15525572" cy="1574849"/>
+            <a:off x="1154410" y="7709663"/>
+            <a:ext cx="14593133" cy="2520106"/>
           </a:xfrm>
         </p:spPr>
         <p:txBody>
@@ -874,17 +874,15 @@
           <a:lstStyle>
             <a:lvl1pPr marL="0" indent="0">
               <a:buNone/>
-              <a:defRPr sz="2520">
+              <a:defRPr sz="4032">
                 <a:solidFill>
-                  <a:schemeClr val="tx1">
-                    <a:tint val="75000"/>
-                  </a:schemeClr>
+                  <a:schemeClr val="tx1"/>
                 </a:solidFill>
               </a:defRPr>
             </a:lvl1pPr>
-            <a:lvl2pPr marL="479969" indent="0">
-              <a:buNone/>
-              <a:defRPr sz="2100">
+            <a:lvl2pPr marL="768050" indent="0">
+              <a:buNone/>
+              <a:defRPr sz="3360">
                 <a:solidFill>
                   <a:schemeClr val="tx1">
                     <a:tint val="75000"/>
@@ -892,9 +890,9 @@
                 </a:solidFill>
               </a:defRPr>
             </a:lvl2pPr>
-            <a:lvl3pPr marL="959937" indent="0">
-              <a:buNone/>
-              <a:defRPr sz="1890">
+            <a:lvl3pPr marL="1536101" indent="0">
+              <a:buNone/>
+              <a:defRPr sz="3024">
                 <a:solidFill>
                   <a:schemeClr val="tx1">
                     <a:tint val="75000"/>
@@ -902,9 +900,9 @@
                 </a:solidFill>
               </a:defRPr>
             </a:lvl3pPr>
-            <a:lvl4pPr marL="1439906" indent="0">
-              <a:buNone/>
-              <a:defRPr sz="1680">
+            <a:lvl4pPr marL="2304151" indent="0">
+              <a:buNone/>
+              <a:defRPr sz="2688">
                 <a:solidFill>
                   <a:schemeClr val="tx1">
                     <a:tint val="75000"/>
@@ -912,9 +910,9 @@
                 </a:solidFill>
               </a:defRPr>
             </a:lvl4pPr>
-            <a:lvl5pPr marL="1919874" indent="0">
-              <a:buNone/>
-              <a:defRPr sz="1680">
+            <a:lvl5pPr marL="3072201" indent="0">
+              <a:buNone/>
+              <a:defRPr sz="2688">
                 <a:solidFill>
                   <a:schemeClr val="tx1">
                     <a:tint val="75000"/>
@@ -922,9 +920,9 @@
                 </a:solidFill>
               </a:defRPr>
             </a:lvl5pPr>
-            <a:lvl6pPr marL="2399843" indent="0">
-              <a:buNone/>
-              <a:defRPr sz="1680">
+            <a:lvl6pPr marL="3840251" indent="0">
+              <a:buNone/>
+              <a:defRPr sz="2688">
                 <a:solidFill>
                   <a:schemeClr val="tx1">
                     <a:tint val="75000"/>
@@ -932,9 +930,9 @@
                 </a:solidFill>
               </a:defRPr>
             </a:lvl6pPr>
-            <a:lvl7pPr marL="2879811" indent="0">
-              <a:buNone/>
-              <a:defRPr sz="1680">
+            <a:lvl7pPr marL="4608302" indent="0">
+              <a:buNone/>
+              <a:defRPr sz="2688">
                 <a:solidFill>
                   <a:schemeClr val="tx1">
                     <a:tint val="75000"/>
@@ -942,9 +940,9 @@
                 </a:solidFill>
               </a:defRPr>
             </a:lvl7pPr>
-            <a:lvl8pPr marL="3359780" indent="0">
-              <a:buNone/>
-              <a:defRPr sz="1680">
+            <a:lvl8pPr marL="5376352" indent="0">
+              <a:buNone/>
+              <a:defRPr sz="2688">
                 <a:solidFill>
                   <a:schemeClr val="tx1">
                     <a:tint val="75000"/>
@@ -952,9 +950,9 @@
                 </a:solidFill>
               </a:defRPr>
             </a:lvl8pPr>
-            <a:lvl9pPr marL="3839748" indent="0">
-              <a:buNone/>
-              <a:defRPr sz="1680">
+            <a:lvl9pPr marL="6144402" indent="0">
+              <a:buNone/>
+              <a:defRPr sz="2688">
                 <a:solidFill>
                   <a:schemeClr val="tx1">
                     <a:tint val="75000"/>
@@ -989,7 +987,7 @@
           <a:p>
             <a:fld id="{EB712707-7169-D148-8073-84E947F4F1D8}" type="datetimeFigureOut">
               <a:rPr lang="en-US" smtClean="0"/>
-              <a:t>2/1/18</a:t>
+              <a:t>2/10/18</a:t>
             </a:fld>
             <a:endParaRPr lang="en-US"/>
           </a:p>
@@ -1097,8 +1095,8 @@
         </p:nvSpPr>
         <p:spPr>
           <a:xfrm>
-            <a:off x="1237545" y="1916484"/>
-            <a:ext cx="7650282" cy="4567898"/>
+            <a:off x="1163221" y="3066796"/>
+            <a:ext cx="7190819" cy="7309644"/>
           </a:xfrm>
         </p:spPr>
         <p:txBody>
@@ -1154,8 +1152,8 @@
         </p:nvSpPr>
         <p:spPr>
           <a:xfrm>
-            <a:off x="9112836" y="1916484"/>
-            <a:ext cx="7650282" cy="4567898"/>
+            <a:off x="8565535" y="3066796"/>
+            <a:ext cx="7190819" cy="7309644"/>
           </a:xfrm>
         </p:spPr>
         <p:txBody>
@@ -1216,7 +1214,7 @@
           <a:p>
             <a:fld id="{EB712707-7169-D148-8073-84E947F4F1D8}" type="datetimeFigureOut">
               <a:rPr lang="en-US" smtClean="0"/>
-              <a:t>2/1/18</a:t>
+              <a:t>2/10/18</a:t>
             </a:fld>
             <a:endParaRPr lang="en-US"/>
           </a:p>
@@ -1301,8 +1299,8 @@
         </p:nvSpPr>
         <p:spPr>
           <a:xfrm>
-            <a:off x="1239890" y="383297"/>
-            <a:ext cx="15525572" cy="1391534"/>
+            <a:off x="1165425" y="613362"/>
+            <a:ext cx="14593133" cy="2226762"/>
           </a:xfrm>
         </p:spPr>
         <p:txBody>
@@ -1329,8 +1327,8 @@
         </p:nvSpPr>
         <p:spPr>
           <a:xfrm>
-            <a:off x="1239891" y="1764832"/>
-            <a:ext cx="7615123" cy="864917"/>
+            <a:off x="1165426" y="2824120"/>
+            <a:ext cx="7157772" cy="1384058"/>
           </a:xfrm>
         </p:spPr>
         <p:txBody>
@@ -1338,39 +1336,39 @@
           <a:lstStyle>
             <a:lvl1pPr marL="0" indent="0">
               <a:buNone/>
-              <a:defRPr sz="2520" b="1"/>
+              <a:defRPr sz="4032" b="1"/>
             </a:lvl1pPr>
-            <a:lvl2pPr marL="479969" indent="0">
-              <a:buNone/>
-              <a:defRPr sz="2100" b="1"/>
+            <a:lvl2pPr marL="768050" indent="0">
+              <a:buNone/>
+              <a:defRPr sz="3360" b="1"/>
             </a:lvl2pPr>
-            <a:lvl3pPr marL="959937" indent="0">
-              <a:buNone/>
-              <a:defRPr sz="1890" b="1"/>
+            <a:lvl3pPr marL="1536101" indent="0">
+              <a:buNone/>
+              <a:defRPr sz="3024" b="1"/>
             </a:lvl3pPr>
-            <a:lvl4pPr marL="1439906" indent="0">
-              <a:buNone/>
-              <a:defRPr sz="1680" b="1"/>
+            <a:lvl4pPr marL="2304151" indent="0">
+              <a:buNone/>
+              <a:defRPr sz="2688" b="1"/>
             </a:lvl4pPr>
-            <a:lvl5pPr marL="1919874" indent="0">
-              <a:buNone/>
-              <a:defRPr sz="1680" b="1"/>
+            <a:lvl5pPr marL="3072201" indent="0">
+              <a:buNone/>
+              <a:defRPr sz="2688" b="1"/>
             </a:lvl5pPr>
-            <a:lvl6pPr marL="2399843" indent="0">
-              <a:buNone/>
-              <a:defRPr sz="1680" b="1"/>
+            <a:lvl6pPr marL="3840251" indent="0">
+              <a:buNone/>
+              <a:defRPr sz="2688" b="1"/>
             </a:lvl6pPr>
-            <a:lvl7pPr marL="2879811" indent="0">
-              <a:buNone/>
-              <a:defRPr sz="1680" b="1"/>
+            <a:lvl7pPr marL="4608302" indent="0">
+              <a:buNone/>
+              <a:defRPr sz="2688" b="1"/>
             </a:lvl7pPr>
-            <a:lvl8pPr marL="3359780" indent="0">
-              <a:buNone/>
-              <a:defRPr sz="1680" b="1"/>
+            <a:lvl8pPr marL="5376352" indent="0">
+              <a:buNone/>
+              <a:defRPr sz="2688" b="1"/>
             </a:lvl8pPr>
-            <a:lvl9pPr marL="3839748" indent="0">
-              <a:buNone/>
-              <a:defRPr sz="1680" b="1"/>
+            <a:lvl9pPr marL="6144402" indent="0">
+              <a:buNone/>
+              <a:defRPr sz="2688" b="1"/>
             </a:lvl9pPr>
           </a:lstStyle>
           <a:p>
@@ -1394,8 +1392,8 @@
         </p:nvSpPr>
         <p:spPr>
           <a:xfrm>
-            <a:off x="1239891" y="2629749"/>
-            <a:ext cx="7615123" cy="3867965"/>
+            <a:off x="1165426" y="4208178"/>
+            <a:ext cx="7157772" cy="6189596"/>
           </a:xfrm>
         </p:spPr>
         <p:txBody>
@@ -1451,8 +1449,8 @@
         </p:nvSpPr>
         <p:spPr>
           <a:xfrm>
-            <a:off x="9112836" y="1764832"/>
-            <a:ext cx="7652626" cy="864917"/>
+            <a:off x="8565536" y="2824120"/>
+            <a:ext cx="7193023" cy="1384058"/>
           </a:xfrm>
         </p:spPr>
         <p:txBody>
@@ -1460,39 +1458,39 @@
           <a:lstStyle>
             <a:lvl1pPr marL="0" indent="0">
               <a:buNone/>
-              <a:defRPr sz="2520" b="1"/>
+              <a:defRPr sz="4032" b="1"/>
             </a:lvl1pPr>
-            <a:lvl2pPr marL="479969" indent="0">
-              <a:buNone/>
-              <a:defRPr sz="2100" b="1"/>
+            <a:lvl2pPr marL="768050" indent="0">
+              <a:buNone/>
+              <a:defRPr sz="3360" b="1"/>
             </a:lvl2pPr>
-            <a:lvl3pPr marL="959937" indent="0">
-              <a:buNone/>
-              <a:defRPr sz="1890" b="1"/>
+            <a:lvl3pPr marL="1536101" indent="0">
+              <a:buNone/>
+              <a:defRPr sz="3024" b="1"/>
             </a:lvl3pPr>
-            <a:lvl4pPr marL="1439906" indent="0">
-              <a:buNone/>
-              <a:defRPr sz="1680" b="1"/>
+            <a:lvl4pPr marL="2304151" indent="0">
+              <a:buNone/>
+              <a:defRPr sz="2688" b="1"/>
             </a:lvl4pPr>
-            <a:lvl5pPr marL="1919874" indent="0">
-              <a:buNone/>
-              <a:defRPr sz="1680" b="1"/>
+            <a:lvl5pPr marL="3072201" indent="0">
+              <a:buNone/>
+              <a:defRPr sz="2688" b="1"/>
             </a:lvl5pPr>
-            <a:lvl6pPr marL="2399843" indent="0">
-              <a:buNone/>
-              <a:defRPr sz="1680" b="1"/>
+            <a:lvl6pPr marL="3840251" indent="0">
+              <a:buNone/>
+              <a:defRPr sz="2688" b="1"/>
             </a:lvl6pPr>
-            <a:lvl7pPr marL="2879811" indent="0">
-              <a:buNone/>
-              <a:defRPr sz="1680" b="1"/>
+            <a:lvl7pPr marL="4608302" indent="0">
+              <a:buNone/>
+              <a:defRPr sz="2688" b="1"/>
             </a:lvl7pPr>
-            <a:lvl8pPr marL="3359780" indent="0">
-              <a:buNone/>
-              <a:defRPr sz="1680" b="1"/>
+            <a:lvl8pPr marL="5376352" indent="0">
+              <a:buNone/>
+              <a:defRPr sz="2688" b="1"/>
             </a:lvl8pPr>
-            <a:lvl9pPr marL="3839748" indent="0">
-              <a:buNone/>
-              <a:defRPr sz="1680" b="1"/>
+            <a:lvl9pPr marL="6144402" indent="0">
+              <a:buNone/>
+              <a:defRPr sz="2688" b="1"/>
             </a:lvl9pPr>
           </a:lstStyle>
           <a:p>
@@ -1516,8 +1514,8 @@
         </p:nvSpPr>
         <p:spPr>
           <a:xfrm>
-            <a:off x="9112836" y="2629749"/>
-            <a:ext cx="7652626" cy="3867965"/>
+            <a:off x="8565536" y="4208178"/>
+            <a:ext cx="7193023" cy="6189596"/>
           </a:xfrm>
         </p:spPr>
         <p:txBody>
@@ -1578,7 +1576,7 @@
           <a:p>
             <a:fld id="{EB712707-7169-D148-8073-84E947F4F1D8}" type="datetimeFigureOut">
               <a:rPr lang="en-US" smtClean="0"/>
-              <a:t>2/1/18</a:t>
+              <a:t>2/10/18</a:t>
             </a:fld>
             <a:endParaRPr lang="en-US"/>
           </a:p>
@@ -1691,7 +1689,7 @@
           <a:p>
             <a:fld id="{EB712707-7169-D148-8073-84E947F4F1D8}" type="datetimeFigureOut">
               <a:rPr lang="en-US" smtClean="0"/>
-              <a:t>2/1/18</a:t>
+              <a:t>2/10/18</a:t>
             </a:fld>
             <a:endParaRPr lang="en-US"/>
           </a:p>
@@ -1781,7 +1779,7 @@
           <a:p>
             <a:fld id="{EB712707-7169-D148-8073-84E947F4F1D8}" type="datetimeFigureOut">
               <a:rPr lang="en-US" smtClean="0"/>
-              <a:t>2/1/18</a:t>
+              <a:t>2/10/18</a:t>
             </a:fld>
             <a:endParaRPr lang="en-US"/>
           </a:p>
@@ -1866,15 +1864,15 @@
         </p:nvSpPr>
         <p:spPr>
           <a:xfrm>
-            <a:off x="1239891" y="479954"/>
-            <a:ext cx="5805682" cy="1679840"/>
+            <a:off x="1165425" y="768032"/>
+            <a:ext cx="5457003" cy="2688114"/>
           </a:xfrm>
         </p:spPr>
         <p:txBody>
           <a:bodyPr anchor="b"/>
           <a:lstStyle>
             <a:lvl1pPr>
-              <a:defRPr sz="3359"/>
+              <a:defRPr sz="5376"/>
             </a:lvl1pPr>
           </a:lstStyle>
           <a:p>
@@ -1898,39 +1896,39 @@
         </p:nvSpPr>
         <p:spPr>
           <a:xfrm>
-            <a:off x="7652626" y="1036569"/>
-            <a:ext cx="9112836" cy="5116178"/>
+            <a:off x="7193023" y="1658740"/>
+            <a:ext cx="8565535" cy="8187013"/>
           </a:xfrm>
         </p:spPr>
         <p:txBody>
           <a:bodyPr/>
           <a:lstStyle>
             <a:lvl1pPr>
-              <a:defRPr sz="3359"/>
+              <a:defRPr sz="5376"/>
             </a:lvl1pPr>
             <a:lvl2pPr>
-              <a:defRPr sz="2939"/>
+              <a:defRPr sz="4704"/>
             </a:lvl2pPr>
             <a:lvl3pPr>
-              <a:defRPr sz="2520"/>
+              <a:defRPr sz="4032"/>
             </a:lvl3pPr>
             <a:lvl4pPr>
-              <a:defRPr sz="2100"/>
+              <a:defRPr sz="3360"/>
             </a:lvl4pPr>
             <a:lvl5pPr>
-              <a:defRPr sz="2100"/>
+              <a:defRPr sz="3360"/>
             </a:lvl5pPr>
             <a:lvl6pPr>
-              <a:defRPr sz="2100"/>
+              <a:defRPr sz="3360"/>
             </a:lvl6pPr>
             <a:lvl7pPr>
-              <a:defRPr sz="2100"/>
+              <a:defRPr sz="3360"/>
             </a:lvl7pPr>
             <a:lvl8pPr>
-              <a:defRPr sz="2100"/>
+              <a:defRPr sz="3360"/>
             </a:lvl8pPr>
             <a:lvl9pPr>
-              <a:defRPr sz="2100"/>
+              <a:defRPr sz="3360"/>
             </a:lvl9pPr>
           </a:lstStyle>
           <a:p>
@@ -1983,8 +1981,8 @@
         </p:nvSpPr>
         <p:spPr>
           <a:xfrm>
-            <a:off x="1239891" y="2159794"/>
-            <a:ext cx="5805682" cy="4001285"/>
+            <a:off x="1165425" y="3456146"/>
+            <a:ext cx="5457003" cy="6402939"/>
           </a:xfrm>
         </p:spPr>
         <p:txBody>
@@ -1992,39 +1990,39 @@
           <a:lstStyle>
             <a:lvl1pPr marL="0" indent="0">
               <a:buNone/>
+              <a:defRPr sz="2688"/>
+            </a:lvl1pPr>
+            <a:lvl2pPr marL="768050" indent="0">
+              <a:buNone/>
+              <a:defRPr sz="2352"/>
+            </a:lvl2pPr>
+            <a:lvl3pPr marL="1536101" indent="0">
+              <a:buNone/>
+              <a:defRPr sz="2016"/>
+            </a:lvl3pPr>
+            <a:lvl4pPr marL="2304151" indent="0">
+              <a:buNone/>
               <a:defRPr sz="1680"/>
-            </a:lvl1pPr>
-            <a:lvl2pPr marL="479969" indent="0">
-              <a:buNone/>
-              <a:defRPr sz="1470"/>
-            </a:lvl2pPr>
-            <a:lvl3pPr marL="959937" indent="0">
-              <a:buNone/>
-              <a:defRPr sz="1260"/>
-            </a:lvl3pPr>
-            <a:lvl4pPr marL="1439906" indent="0">
-              <a:buNone/>
-              <a:defRPr sz="1050"/>
             </a:lvl4pPr>
-            <a:lvl5pPr marL="1919874" indent="0">
-              <a:buNone/>
-              <a:defRPr sz="1050"/>
+            <a:lvl5pPr marL="3072201" indent="0">
+              <a:buNone/>
+              <a:defRPr sz="1680"/>
             </a:lvl5pPr>
-            <a:lvl6pPr marL="2399843" indent="0">
-              <a:buNone/>
-              <a:defRPr sz="1050"/>
+            <a:lvl6pPr marL="3840251" indent="0">
+              <a:buNone/>
+              <a:defRPr sz="1680"/>
             </a:lvl6pPr>
-            <a:lvl7pPr marL="2879811" indent="0">
-              <a:buNone/>
-              <a:defRPr sz="1050"/>
+            <a:lvl7pPr marL="4608302" indent="0">
+              <a:buNone/>
+              <a:defRPr sz="1680"/>
             </a:lvl7pPr>
-            <a:lvl8pPr marL="3359780" indent="0">
-              <a:buNone/>
-              <a:defRPr sz="1050"/>
+            <a:lvl8pPr marL="5376352" indent="0">
+              <a:buNone/>
+              <a:defRPr sz="1680"/>
             </a:lvl8pPr>
-            <a:lvl9pPr marL="3839748" indent="0">
-              <a:buNone/>
-              <a:defRPr sz="1050"/>
+            <a:lvl9pPr marL="6144402" indent="0">
+              <a:buNone/>
+              <a:defRPr sz="1680"/>
             </a:lvl9pPr>
           </a:lstStyle>
           <a:p>
@@ -2053,7 +2051,7 @@
           <a:p>
             <a:fld id="{EB712707-7169-D148-8073-84E947F4F1D8}" type="datetimeFigureOut">
               <a:rPr lang="en-US" smtClean="0"/>
-              <a:t>2/1/18</a:t>
+              <a:t>2/10/18</a:t>
             </a:fld>
             <a:endParaRPr lang="en-US"/>
           </a:p>
@@ -2138,15 +2136,15 @@
         </p:nvSpPr>
         <p:spPr>
           <a:xfrm>
-            <a:off x="1239891" y="479954"/>
-            <a:ext cx="5805682" cy="1679840"/>
+            <a:off x="1165425" y="768032"/>
+            <a:ext cx="5457003" cy="2688114"/>
           </a:xfrm>
         </p:spPr>
         <p:txBody>
           <a:bodyPr anchor="b"/>
           <a:lstStyle>
             <a:lvl1pPr>
-              <a:defRPr sz="3359"/>
+              <a:defRPr sz="5376"/>
             </a:lvl1pPr>
           </a:lstStyle>
           <a:p>
@@ -2170,8 +2168,8 @@
         </p:nvSpPr>
         <p:spPr>
           <a:xfrm>
-            <a:off x="7652626" y="1036569"/>
-            <a:ext cx="9112836" cy="5116178"/>
+            <a:off x="7193023" y="1658740"/>
+            <a:ext cx="8565535" cy="8187013"/>
           </a:xfrm>
         </p:spPr>
         <p:txBody>
@@ -2179,39 +2177,39 @@
           <a:lstStyle>
             <a:lvl1pPr marL="0" indent="0">
               <a:buNone/>
-              <a:defRPr sz="3359"/>
+              <a:defRPr sz="5376"/>
             </a:lvl1pPr>
-            <a:lvl2pPr marL="479969" indent="0">
-              <a:buNone/>
-              <a:defRPr sz="2939"/>
+            <a:lvl2pPr marL="768050" indent="0">
+              <a:buNone/>
+              <a:defRPr sz="4704"/>
             </a:lvl2pPr>
-            <a:lvl3pPr marL="959937" indent="0">
-              <a:buNone/>
-              <a:defRPr sz="2520"/>
+            <a:lvl3pPr marL="1536101" indent="0">
+              <a:buNone/>
+              <a:defRPr sz="4032"/>
             </a:lvl3pPr>
-            <a:lvl4pPr marL="1439906" indent="0">
-              <a:buNone/>
-              <a:defRPr sz="2100"/>
+            <a:lvl4pPr marL="2304151" indent="0">
+              <a:buNone/>
+              <a:defRPr sz="3360"/>
             </a:lvl4pPr>
-            <a:lvl5pPr marL="1919874" indent="0">
-              <a:buNone/>
-              <a:defRPr sz="2100"/>
+            <a:lvl5pPr marL="3072201" indent="0">
+              <a:buNone/>
+              <a:defRPr sz="3360"/>
             </a:lvl5pPr>
-            <a:lvl6pPr marL="2399843" indent="0">
-              <a:buNone/>
-              <a:defRPr sz="2100"/>
+            <a:lvl6pPr marL="3840251" indent="0">
+              <a:buNone/>
+              <a:defRPr sz="3360"/>
             </a:lvl6pPr>
-            <a:lvl7pPr marL="2879811" indent="0">
-              <a:buNone/>
-              <a:defRPr sz="2100"/>
+            <a:lvl7pPr marL="4608302" indent="0">
+              <a:buNone/>
+              <a:defRPr sz="3360"/>
             </a:lvl7pPr>
-            <a:lvl8pPr marL="3359780" indent="0">
-              <a:buNone/>
-              <a:defRPr sz="2100"/>
+            <a:lvl8pPr marL="5376352" indent="0">
+              <a:buNone/>
+              <a:defRPr sz="3360"/>
             </a:lvl8pPr>
-            <a:lvl9pPr marL="3839748" indent="0">
-              <a:buNone/>
-              <a:defRPr sz="2100"/>
+            <a:lvl9pPr marL="6144402" indent="0">
+              <a:buNone/>
+              <a:defRPr sz="3360"/>
             </a:lvl9pPr>
           </a:lstStyle>
           <a:p>
@@ -2235,8 +2233,8 @@
         </p:nvSpPr>
         <p:spPr>
           <a:xfrm>
-            <a:off x="1239891" y="2159794"/>
-            <a:ext cx="5805682" cy="4001285"/>
+            <a:off x="1165425" y="3456146"/>
+            <a:ext cx="5457003" cy="6402939"/>
           </a:xfrm>
         </p:spPr>
         <p:txBody>
@@ -2244,39 +2242,39 @@
           <a:lstStyle>
             <a:lvl1pPr marL="0" indent="0">
               <a:buNone/>
+              <a:defRPr sz="2688"/>
+            </a:lvl1pPr>
+            <a:lvl2pPr marL="768050" indent="0">
+              <a:buNone/>
+              <a:defRPr sz="2352"/>
+            </a:lvl2pPr>
+            <a:lvl3pPr marL="1536101" indent="0">
+              <a:buNone/>
+              <a:defRPr sz="2016"/>
+            </a:lvl3pPr>
+            <a:lvl4pPr marL="2304151" indent="0">
+              <a:buNone/>
               <a:defRPr sz="1680"/>
-            </a:lvl1pPr>
-            <a:lvl2pPr marL="479969" indent="0">
-              <a:buNone/>
-              <a:defRPr sz="1470"/>
-            </a:lvl2pPr>
-            <a:lvl3pPr marL="959937" indent="0">
-              <a:buNone/>
-              <a:defRPr sz="1260"/>
-            </a:lvl3pPr>
-            <a:lvl4pPr marL="1439906" indent="0">
-              <a:buNone/>
-              <a:defRPr sz="1050"/>
             </a:lvl4pPr>
-            <a:lvl5pPr marL="1919874" indent="0">
-              <a:buNone/>
-              <a:defRPr sz="1050"/>
+            <a:lvl5pPr marL="3072201" indent="0">
+              <a:buNone/>
+              <a:defRPr sz="1680"/>
             </a:lvl5pPr>
-            <a:lvl6pPr marL="2399843" indent="0">
-              <a:buNone/>
-              <a:defRPr sz="1050"/>
+            <a:lvl6pPr marL="3840251" indent="0">
+              <a:buNone/>
+              <a:defRPr sz="1680"/>
             </a:lvl6pPr>
-            <a:lvl7pPr marL="2879811" indent="0">
-              <a:buNone/>
-              <a:defRPr sz="1050"/>
+            <a:lvl7pPr marL="4608302" indent="0">
+              <a:buNone/>
+              <a:defRPr sz="1680"/>
             </a:lvl7pPr>
-            <a:lvl8pPr marL="3359780" indent="0">
-              <a:buNone/>
-              <a:defRPr sz="1050"/>
+            <a:lvl8pPr marL="5376352" indent="0">
+              <a:buNone/>
+              <a:defRPr sz="1680"/>
             </a:lvl8pPr>
-            <a:lvl9pPr marL="3839748" indent="0">
-              <a:buNone/>
-              <a:defRPr sz="1050"/>
+            <a:lvl9pPr marL="6144402" indent="0">
+              <a:buNone/>
+              <a:defRPr sz="1680"/>
             </a:lvl9pPr>
           </a:lstStyle>
           <a:p>
@@ -2305,7 +2303,7 @@
           <a:p>
             <a:fld id="{EB712707-7169-D148-8073-84E947F4F1D8}" type="datetimeFigureOut">
               <a:rPr lang="en-US" smtClean="0"/>
-              <a:t>2/1/18</a:t>
+              <a:t>2/10/18</a:t>
             </a:fld>
             <a:endParaRPr lang="en-US"/>
           </a:p>
@@ -2395,8 +2393,8 @@
         </p:nvSpPr>
         <p:spPr>
           <a:xfrm>
-            <a:off x="1237546" y="383297"/>
-            <a:ext cx="15525572" cy="1391534"/>
+            <a:off x="1163221" y="613362"/>
+            <a:ext cx="14593133" cy="2226762"/>
           </a:xfrm>
           <a:prstGeom prst="rect">
             <a:avLst/>
@@ -2428,8 +2426,8 @@
         </p:nvSpPr>
         <p:spPr>
           <a:xfrm>
-            <a:off x="1237546" y="1916484"/>
-            <a:ext cx="15525572" cy="4567898"/>
+            <a:off x="1163221" y="3066796"/>
+            <a:ext cx="14593133" cy="7309644"/>
           </a:xfrm>
           <a:prstGeom prst="rect">
             <a:avLst/>
@@ -2490,8 +2488,8 @@
         </p:nvSpPr>
         <p:spPr>
           <a:xfrm>
-            <a:off x="1237546" y="6672697"/>
-            <a:ext cx="4050149" cy="383297"/>
+            <a:off x="1163221" y="10677788"/>
+            <a:ext cx="3806904" cy="613359"/>
           </a:xfrm>
           <a:prstGeom prst="rect">
             <a:avLst/>
@@ -2501,7 +2499,7 @@
           <a:bodyPr vert="horz" lIns="91440" tIns="45720" rIns="91440" bIns="45720" rtlCol="0" anchor="ctr"/>
           <a:lstStyle>
             <a:lvl1pPr algn="l">
-              <a:defRPr sz="1260">
+              <a:defRPr sz="2016">
                 <a:solidFill>
                   <a:schemeClr val="tx1">
                     <a:tint val="75000"/>
@@ -2513,7 +2511,7 @@
           <a:p>
             <a:fld id="{EB712707-7169-D148-8073-84E947F4F1D8}" type="datetimeFigureOut">
               <a:rPr lang="en-US" smtClean="0"/>
-              <a:t>2/1/18</a:t>
+              <a:t>2/10/18</a:t>
             </a:fld>
             <a:endParaRPr lang="en-US"/>
           </a:p>
@@ -2531,8 +2529,8 @@
         </p:nvSpPr>
         <p:spPr>
           <a:xfrm>
-            <a:off x="5962720" y="6672697"/>
-            <a:ext cx="6075224" cy="383297"/>
+            <a:off x="5604609" y="10677788"/>
+            <a:ext cx="5710357" cy="613359"/>
           </a:xfrm>
           <a:prstGeom prst="rect">
             <a:avLst/>
@@ -2542,7 +2540,7 @@
           <a:bodyPr vert="horz" lIns="91440" tIns="45720" rIns="91440" bIns="45720" rtlCol="0" anchor="ctr"/>
           <a:lstStyle>
             <a:lvl1pPr algn="ctr">
-              <a:defRPr sz="1260">
+              <a:defRPr sz="2016">
                 <a:solidFill>
                   <a:schemeClr val="tx1">
                     <a:tint val="75000"/>
@@ -2568,8 +2566,8 @@
         </p:nvSpPr>
         <p:spPr>
           <a:xfrm>
-            <a:off x="12712968" y="6672697"/>
-            <a:ext cx="4050149" cy="383297"/>
+            <a:off x="11949450" y="10677788"/>
+            <a:ext cx="3806904" cy="613359"/>
           </a:xfrm>
           <a:prstGeom prst="rect">
             <a:avLst/>
@@ -2579,7 +2577,7 @@
           <a:bodyPr vert="horz" lIns="91440" tIns="45720" rIns="91440" bIns="45720" rtlCol="0" anchor="ctr"/>
           <a:lstStyle>
             <a:lvl1pPr algn="r">
-              <a:defRPr sz="1260">
+              <a:defRPr sz="2016">
                 <a:solidFill>
                   <a:schemeClr val="tx1">
                     <a:tint val="75000"/>
@@ -2600,27 +2598,27 @@
     </p:spTree>
     <p:extLst>
       <p:ext uri="{BB962C8B-B14F-4D97-AF65-F5344CB8AC3E}">
-        <p14:creationId xmlns:p14="http://schemas.microsoft.com/office/powerpoint/2010/main" val="29741789"/>
+        <p14:creationId xmlns:p14="http://schemas.microsoft.com/office/powerpoint/2010/main" val="768250080"/>
       </p:ext>
     </p:extLst>
   </p:cSld>
   <p:clrMap bg1="lt1" tx1="dk1" bg2="lt2" tx2="dk2" accent1="accent1" accent2="accent2" accent3="accent3" accent4="accent4" accent5="accent5" accent6="accent6" hlink="hlink" folHlink="folHlink"/>
   <p:sldLayoutIdLst>
-    <p:sldLayoutId id="2147483709" r:id="rId1"/>
-    <p:sldLayoutId id="2147483710" r:id="rId2"/>
-    <p:sldLayoutId id="2147483711" r:id="rId3"/>
-    <p:sldLayoutId id="2147483712" r:id="rId4"/>
-    <p:sldLayoutId id="2147483713" r:id="rId5"/>
-    <p:sldLayoutId id="2147483714" r:id="rId6"/>
-    <p:sldLayoutId id="2147483715" r:id="rId7"/>
-    <p:sldLayoutId id="2147483716" r:id="rId8"/>
-    <p:sldLayoutId id="2147483717" r:id="rId9"/>
-    <p:sldLayoutId id="2147483718" r:id="rId10"/>
-    <p:sldLayoutId id="2147483719" r:id="rId11"/>
+    <p:sldLayoutId id="2147483769" r:id="rId1"/>
+    <p:sldLayoutId id="2147483770" r:id="rId2"/>
+    <p:sldLayoutId id="2147483771" r:id="rId3"/>
+    <p:sldLayoutId id="2147483772" r:id="rId4"/>
+    <p:sldLayoutId id="2147483773" r:id="rId5"/>
+    <p:sldLayoutId id="2147483774" r:id="rId6"/>
+    <p:sldLayoutId id="2147483775" r:id="rId7"/>
+    <p:sldLayoutId id="2147483776" r:id="rId8"/>
+    <p:sldLayoutId id="2147483777" r:id="rId9"/>
+    <p:sldLayoutId id="2147483778" r:id="rId10"/>
+    <p:sldLayoutId id="2147483779" r:id="rId11"/>
   </p:sldLayoutIdLst>
   <p:txStyles>
     <p:titleStyle>
-      <a:lvl1pPr algn="l" defTabSz="959937" rtl="0" eaLnBrk="1" latinLnBrk="0" hangingPunct="1">
+      <a:lvl1pPr algn="l" defTabSz="1536101" rtl="0" eaLnBrk="1" latinLnBrk="0" hangingPunct="1">
         <a:lnSpc>
           <a:spcPct val="90000"/>
         </a:lnSpc>
@@ -2628,7 +2626,7 @@
           <a:spcPct val="0"/>
         </a:spcBef>
         <a:buNone/>
-        <a:defRPr sz="4619" kern="1200">
+        <a:defRPr sz="7392" kern="1200">
           <a:solidFill>
             <a:schemeClr val="tx1"/>
           </a:solidFill>
@@ -2639,16 +2637,16 @@
       </a:lvl1pPr>
     </p:titleStyle>
     <p:bodyStyle>
-      <a:lvl1pPr marL="239984" indent="-239984" algn="l" defTabSz="959937" rtl="0" eaLnBrk="1" latinLnBrk="0" hangingPunct="1">
+      <a:lvl1pPr marL="384025" indent="-384025" algn="l" defTabSz="1536101" rtl="0" eaLnBrk="1" latinLnBrk="0" hangingPunct="1">
         <a:lnSpc>
           <a:spcPct val="90000"/>
         </a:lnSpc>
         <a:spcBef>
-          <a:spcPts val="1050"/>
+          <a:spcPts val="1680"/>
         </a:spcBef>
         <a:buFont typeface="Arial" panose="020B0604020202020204" pitchFamily="34" charset="0"/>
         <a:buChar char="•"/>
-        <a:defRPr sz="2939" kern="1200">
+        <a:defRPr sz="4704" kern="1200">
           <a:solidFill>
             <a:schemeClr val="tx1"/>
           </a:solidFill>
@@ -2657,16 +2655,16 @@
           <a:cs typeface="+mn-cs"/>
         </a:defRPr>
       </a:lvl1pPr>
-      <a:lvl2pPr marL="719953" indent="-239984" algn="l" defTabSz="959937" rtl="0" eaLnBrk="1" latinLnBrk="0" hangingPunct="1">
+      <a:lvl2pPr marL="1152075" indent="-384025" algn="l" defTabSz="1536101" rtl="0" eaLnBrk="1" latinLnBrk="0" hangingPunct="1">
         <a:lnSpc>
           <a:spcPct val="90000"/>
         </a:lnSpc>
         <a:spcBef>
-          <a:spcPts val="525"/>
+          <a:spcPts val="840"/>
         </a:spcBef>
         <a:buFont typeface="Arial" panose="020B0604020202020204" pitchFamily="34" charset="0"/>
         <a:buChar char="•"/>
-        <a:defRPr sz="2520" kern="1200">
+        <a:defRPr sz="4032" kern="1200">
           <a:solidFill>
             <a:schemeClr val="tx1"/>
           </a:solidFill>
@@ -2675,16 +2673,16 @@
           <a:cs typeface="+mn-cs"/>
         </a:defRPr>
       </a:lvl2pPr>
-      <a:lvl3pPr marL="1199921" indent="-239984" algn="l" defTabSz="959937" rtl="0" eaLnBrk="1" latinLnBrk="0" hangingPunct="1">
+      <a:lvl3pPr marL="1920126" indent="-384025" algn="l" defTabSz="1536101" rtl="0" eaLnBrk="1" latinLnBrk="0" hangingPunct="1">
         <a:lnSpc>
           <a:spcPct val="90000"/>
         </a:lnSpc>
         <a:spcBef>
-          <a:spcPts val="525"/>
+          <a:spcPts val="840"/>
         </a:spcBef>
         <a:buFont typeface="Arial" panose="020B0604020202020204" pitchFamily="34" charset="0"/>
         <a:buChar char="•"/>
-        <a:defRPr sz="2100" kern="1200">
+        <a:defRPr sz="3360" kern="1200">
           <a:solidFill>
             <a:schemeClr val="tx1"/>
           </a:solidFill>
@@ -2693,16 +2691,16 @@
           <a:cs typeface="+mn-cs"/>
         </a:defRPr>
       </a:lvl3pPr>
-      <a:lvl4pPr marL="1679890" indent="-239984" algn="l" defTabSz="959937" rtl="0" eaLnBrk="1" latinLnBrk="0" hangingPunct="1">
+      <a:lvl4pPr marL="2688176" indent="-384025" algn="l" defTabSz="1536101" rtl="0" eaLnBrk="1" latinLnBrk="0" hangingPunct="1">
         <a:lnSpc>
           <a:spcPct val="90000"/>
         </a:lnSpc>
         <a:spcBef>
-          <a:spcPts val="525"/>
+          <a:spcPts val="840"/>
         </a:spcBef>
         <a:buFont typeface="Arial" panose="020B0604020202020204" pitchFamily="34" charset="0"/>
         <a:buChar char="•"/>
-        <a:defRPr sz="1890" kern="1200">
+        <a:defRPr sz="3024" kern="1200">
           <a:solidFill>
             <a:schemeClr val="tx1"/>
           </a:solidFill>
@@ -2711,16 +2709,16 @@
           <a:cs typeface="+mn-cs"/>
         </a:defRPr>
       </a:lvl4pPr>
-      <a:lvl5pPr marL="2159859" indent="-239984" algn="l" defTabSz="959937" rtl="0" eaLnBrk="1" latinLnBrk="0" hangingPunct="1">
+      <a:lvl5pPr marL="3456226" indent="-384025" algn="l" defTabSz="1536101" rtl="0" eaLnBrk="1" latinLnBrk="0" hangingPunct="1">
         <a:lnSpc>
           <a:spcPct val="90000"/>
         </a:lnSpc>
         <a:spcBef>
-          <a:spcPts val="525"/>
+          <a:spcPts val="840"/>
         </a:spcBef>
         <a:buFont typeface="Arial" panose="020B0604020202020204" pitchFamily="34" charset="0"/>
         <a:buChar char="•"/>
-        <a:defRPr sz="1890" kern="1200">
+        <a:defRPr sz="3024" kern="1200">
           <a:solidFill>
             <a:schemeClr val="tx1"/>
           </a:solidFill>
@@ -2729,16 +2727,16 @@
           <a:cs typeface="+mn-cs"/>
         </a:defRPr>
       </a:lvl5pPr>
-      <a:lvl6pPr marL="2639827" indent="-239984" algn="l" defTabSz="959937" rtl="0" eaLnBrk="1" latinLnBrk="0" hangingPunct="1">
+      <a:lvl6pPr marL="4224277" indent="-384025" algn="l" defTabSz="1536101" rtl="0" eaLnBrk="1" latinLnBrk="0" hangingPunct="1">
         <a:lnSpc>
           <a:spcPct val="90000"/>
         </a:lnSpc>
         <a:spcBef>
-          <a:spcPts val="525"/>
+          <a:spcPts val="840"/>
         </a:spcBef>
         <a:buFont typeface="Arial" panose="020B0604020202020204" pitchFamily="34" charset="0"/>
         <a:buChar char="•"/>
-        <a:defRPr sz="1890" kern="1200">
+        <a:defRPr sz="3024" kern="1200">
           <a:solidFill>
             <a:schemeClr val="tx1"/>
           </a:solidFill>
@@ -2747,16 +2745,16 @@
           <a:cs typeface="+mn-cs"/>
         </a:defRPr>
       </a:lvl6pPr>
-      <a:lvl7pPr marL="3119796" indent="-239984" algn="l" defTabSz="959937" rtl="0" eaLnBrk="1" latinLnBrk="0" hangingPunct="1">
+      <a:lvl7pPr marL="4992327" indent="-384025" algn="l" defTabSz="1536101" rtl="0" eaLnBrk="1" latinLnBrk="0" hangingPunct="1">
         <a:lnSpc>
           <a:spcPct val="90000"/>
         </a:lnSpc>
         <a:spcBef>
-          <a:spcPts val="525"/>
+          <a:spcPts val="840"/>
         </a:spcBef>
         <a:buFont typeface="Arial" panose="020B0604020202020204" pitchFamily="34" charset="0"/>
         <a:buChar char="•"/>
-        <a:defRPr sz="1890" kern="1200">
+        <a:defRPr sz="3024" kern="1200">
           <a:solidFill>
             <a:schemeClr val="tx1"/>
           </a:solidFill>
@@ -2765,16 +2763,16 @@
           <a:cs typeface="+mn-cs"/>
         </a:defRPr>
       </a:lvl7pPr>
-      <a:lvl8pPr marL="3599764" indent="-239984" algn="l" defTabSz="959937" rtl="0" eaLnBrk="1" latinLnBrk="0" hangingPunct="1">
+      <a:lvl8pPr marL="5760377" indent="-384025" algn="l" defTabSz="1536101" rtl="0" eaLnBrk="1" latinLnBrk="0" hangingPunct="1">
         <a:lnSpc>
           <a:spcPct val="90000"/>
         </a:lnSpc>
         <a:spcBef>
-          <a:spcPts val="525"/>
+          <a:spcPts val="840"/>
         </a:spcBef>
         <a:buFont typeface="Arial" panose="020B0604020202020204" pitchFamily="34" charset="0"/>
         <a:buChar char="•"/>
-        <a:defRPr sz="1890" kern="1200">
+        <a:defRPr sz="3024" kern="1200">
           <a:solidFill>
             <a:schemeClr val="tx1"/>
           </a:solidFill>
@@ -2783,16 +2781,16 @@
           <a:cs typeface="+mn-cs"/>
         </a:defRPr>
       </a:lvl8pPr>
-      <a:lvl9pPr marL="4079733" indent="-239984" algn="l" defTabSz="959937" rtl="0" eaLnBrk="1" latinLnBrk="0" hangingPunct="1">
+      <a:lvl9pPr marL="6528427" indent="-384025" algn="l" defTabSz="1536101" rtl="0" eaLnBrk="1" latinLnBrk="0" hangingPunct="1">
         <a:lnSpc>
           <a:spcPct val="90000"/>
         </a:lnSpc>
         <a:spcBef>
-          <a:spcPts val="525"/>
+          <a:spcPts val="840"/>
         </a:spcBef>
         <a:buFont typeface="Arial" panose="020B0604020202020204" pitchFamily="34" charset="0"/>
         <a:buChar char="•"/>
-        <a:defRPr sz="1890" kern="1200">
+        <a:defRPr sz="3024" kern="1200">
           <a:solidFill>
             <a:schemeClr val="tx1"/>
           </a:solidFill>
@@ -2806,8 +2804,8 @@
       <a:defPPr>
         <a:defRPr lang="en-US"/>
       </a:defPPr>
-      <a:lvl1pPr marL="0" algn="l" defTabSz="959937" rtl="0" eaLnBrk="1" latinLnBrk="0" hangingPunct="1">
-        <a:defRPr sz="1890" kern="1200">
+      <a:lvl1pPr marL="0" algn="l" defTabSz="1536101" rtl="0" eaLnBrk="1" latinLnBrk="0" hangingPunct="1">
+        <a:defRPr sz="3024" kern="1200">
           <a:solidFill>
             <a:schemeClr val="tx1"/>
           </a:solidFill>
@@ -2816,8 +2814,8 @@
           <a:cs typeface="+mn-cs"/>
         </a:defRPr>
       </a:lvl1pPr>
-      <a:lvl2pPr marL="479969" algn="l" defTabSz="959937" rtl="0" eaLnBrk="1" latinLnBrk="0" hangingPunct="1">
-        <a:defRPr sz="1890" kern="1200">
+      <a:lvl2pPr marL="768050" algn="l" defTabSz="1536101" rtl="0" eaLnBrk="1" latinLnBrk="0" hangingPunct="1">
+        <a:defRPr sz="3024" kern="1200">
           <a:solidFill>
             <a:schemeClr val="tx1"/>
           </a:solidFill>
@@ -2826,8 +2824,8 @@
           <a:cs typeface="+mn-cs"/>
         </a:defRPr>
       </a:lvl2pPr>
-      <a:lvl3pPr marL="959937" algn="l" defTabSz="959937" rtl="0" eaLnBrk="1" latinLnBrk="0" hangingPunct="1">
-        <a:defRPr sz="1890" kern="1200">
+      <a:lvl3pPr marL="1536101" algn="l" defTabSz="1536101" rtl="0" eaLnBrk="1" latinLnBrk="0" hangingPunct="1">
+        <a:defRPr sz="3024" kern="1200">
           <a:solidFill>
             <a:schemeClr val="tx1"/>
           </a:solidFill>
@@ -2836,8 +2834,8 @@
           <a:cs typeface="+mn-cs"/>
         </a:defRPr>
       </a:lvl3pPr>
-      <a:lvl4pPr marL="1439906" algn="l" defTabSz="959937" rtl="0" eaLnBrk="1" latinLnBrk="0" hangingPunct="1">
-        <a:defRPr sz="1890" kern="1200">
+      <a:lvl4pPr marL="2304151" algn="l" defTabSz="1536101" rtl="0" eaLnBrk="1" latinLnBrk="0" hangingPunct="1">
+        <a:defRPr sz="3024" kern="1200">
           <a:solidFill>
             <a:schemeClr val="tx1"/>
           </a:solidFill>
@@ -2846,8 +2844,8 @@
           <a:cs typeface="+mn-cs"/>
         </a:defRPr>
       </a:lvl4pPr>
-      <a:lvl5pPr marL="1919874" algn="l" defTabSz="959937" rtl="0" eaLnBrk="1" latinLnBrk="0" hangingPunct="1">
-        <a:defRPr sz="1890" kern="1200">
+      <a:lvl5pPr marL="3072201" algn="l" defTabSz="1536101" rtl="0" eaLnBrk="1" latinLnBrk="0" hangingPunct="1">
+        <a:defRPr sz="3024" kern="1200">
           <a:solidFill>
             <a:schemeClr val="tx1"/>
           </a:solidFill>
@@ -2856,8 +2854,8 @@
           <a:cs typeface="+mn-cs"/>
         </a:defRPr>
       </a:lvl5pPr>
-      <a:lvl6pPr marL="2399843" algn="l" defTabSz="959937" rtl="0" eaLnBrk="1" latinLnBrk="0" hangingPunct="1">
-        <a:defRPr sz="1890" kern="1200">
+      <a:lvl6pPr marL="3840251" algn="l" defTabSz="1536101" rtl="0" eaLnBrk="1" latinLnBrk="0" hangingPunct="1">
+        <a:defRPr sz="3024" kern="1200">
           <a:solidFill>
             <a:schemeClr val="tx1"/>
           </a:solidFill>
@@ -2866,8 +2864,8 @@
           <a:cs typeface="+mn-cs"/>
         </a:defRPr>
       </a:lvl6pPr>
-      <a:lvl7pPr marL="2879811" algn="l" defTabSz="959937" rtl="0" eaLnBrk="1" latinLnBrk="0" hangingPunct="1">
-        <a:defRPr sz="1890" kern="1200">
+      <a:lvl7pPr marL="4608302" algn="l" defTabSz="1536101" rtl="0" eaLnBrk="1" latinLnBrk="0" hangingPunct="1">
+        <a:defRPr sz="3024" kern="1200">
           <a:solidFill>
             <a:schemeClr val="tx1"/>
           </a:solidFill>
@@ -2876,8 +2874,8 @@
           <a:cs typeface="+mn-cs"/>
         </a:defRPr>
       </a:lvl7pPr>
-      <a:lvl8pPr marL="3359780" algn="l" defTabSz="959937" rtl="0" eaLnBrk="1" latinLnBrk="0" hangingPunct="1">
-        <a:defRPr sz="1890" kern="1200">
+      <a:lvl8pPr marL="5376352" algn="l" defTabSz="1536101" rtl="0" eaLnBrk="1" latinLnBrk="0" hangingPunct="1">
+        <a:defRPr sz="3024" kern="1200">
           <a:solidFill>
             <a:schemeClr val="tx1"/>
           </a:solidFill>
@@ -2886,8 +2884,8 @@
           <a:cs typeface="+mn-cs"/>
         </a:defRPr>
       </a:lvl8pPr>
-      <a:lvl9pPr marL="3839748" algn="l" defTabSz="959937" rtl="0" eaLnBrk="1" latinLnBrk="0" hangingPunct="1">
-        <a:defRPr sz="1890" kern="1200">
+      <a:lvl9pPr marL="6144402" algn="l" defTabSz="1536101" rtl="0" eaLnBrk="1" latinLnBrk="0" hangingPunct="1">
+        <a:defRPr sz="3024" kern="1200">
           <a:solidFill>
             <a:schemeClr val="tx1"/>
           </a:solidFill>
@@ -2927,14 +2925,14 @@
           <p:nvPr>
             <p:extLst>
               <p:ext uri="{D42A27DB-BD31-4B8C-83A1-F6EECF244321}">
-                <p14:modId xmlns:p14="http://schemas.microsoft.com/office/powerpoint/2010/main" val="1638065054"/>
+                <p14:modId xmlns:p14="http://schemas.microsoft.com/office/powerpoint/2010/main" val="1307408796"/>
               </p:ext>
             </p:extLst>
           </p:nvPr>
         </p:nvGraphicFramePr>
         <p:xfrm>
-          <a:off x="2486000" y="-22074"/>
-          <a:ext cx="15514664" cy="7199312"/>
+          <a:off x="2427939" y="1194895"/>
+          <a:ext cx="14491636" cy="10133596"/>
         </p:xfrm>
         <a:graphic>
           <a:graphicData uri="http://schemas.openxmlformats.org/drawingml/2006/table">
@@ -2943,20 +2941,20 @@
                 <a:tableStyleId>{5940675A-B579-460E-94D1-54222C63F5DA}</a:tableStyleId>
               </a:tblPr>
               <a:tblGrid>
-                <a:gridCol w="1488696"/>
-                <a:gridCol w="7445144"/>
-                <a:gridCol w="6580824"/>
+                <a:gridCol w="1390532"/>
+                <a:gridCol w="9286916"/>
+                <a:gridCol w="3814188"/>
               </a:tblGrid>
-              <a:tr h="1259129">
+              <a:tr h="1207661">
                 <a:tc>
                   <a:txBody>
                     <a:bodyPr/>
                     <a:lstStyle/>
                     <a:p>
-                      <a:endParaRPr lang="en-US" dirty="0"/>
+                      <a:endParaRPr lang="en-US" sz="3000" dirty="0"/>
                     </a:p>
                   </a:txBody>
-                  <a:tcPr>
+                  <a:tcPr marL="88678" marR="88678" marT="44339" marB="44339">
                     <a:lnL w="12700" cmpd="sng">
                       <a:noFill/>
                     </a:lnL>
@@ -2984,10 +2982,10 @@
                     <a:bodyPr/>
                     <a:lstStyle/>
                     <a:p>
-                      <a:endParaRPr lang="en-US" dirty="0"/>
+                      <a:endParaRPr lang="en-US" sz="3000" dirty="0"/>
                     </a:p>
                   </a:txBody>
-                  <a:tcPr>
+                  <a:tcPr marL="88678" marR="88678" marT="44339" marB="44339">
                     <a:lnL w="12700" cmpd="sng">
                       <a:noFill/>
                     </a:lnL>
@@ -3021,10 +3019,10 @@
                     <a:bodyPr/>
                     <a:lstStyle/>
                     <a:p>
-                      <a:endParaRPr lang="en-US"/>
+                      <a:endParaRPr lang="en-US" sz="3000"/>
                     </a:p>
                   </a:txBody>
-                  <a:tcPr>
+                  <a:tcPr marL="88678" marR="88678" marT="44339" marB="44339">
                     <a:lnL w="76200" cap="flat" cmpd="sng" algn="ctr">
                       <a:solidFill>
                         <a:schemeClr val="tx1"/>
@@ -3054,16 +3052,16 @@
                   </a:tcPr>
                 </a:tc>
               </a:tr>
-              <a:tr h="3074363">
+              <a:tr h="6177261">
                 <a:tc>
                   <a:txBody>
                     <a:bodyPr/>
                     <a:lstStyle/>
                     <a:p>
-                      <a:endParaRPr lang="en-US" dirty="0"/>
+                      <a:endParaRPr lang="en-US" sz="3000" dirty="0"/>
                     </a:p>
                   </a:txBody>
-                  <a:tcPr>
+                  <a:tcPr marL="88678" marR="88678" marT="44339" marB="44339">
                     <a:lnL w="12700" cmpd="sng">
                       <a:noFill/>
                     </a:lnL>
@@ -3097,10 +3095,10 @@
                     <a:bodyPr/>
                     <a:lstStyle/>
                     <a:p>
-                      <a:endParaRPr lang="en-US" dirty="0"/>
+                      <a:endParaRPr lang="en-US" sz="3000" dirty="0"/>
                     </a:p>
                   </a:txBody>
-                  <a:tcPr>
+                  <a:tcPr marL="88678" marR="88678" marT="44339" marB="44339">
                     <a:lnL w="12700" cmpd="sng">
                       <a:noFill/>
                     </a:lnL>
@@ -3140,10 +3138,10 @@
                     <a:bodyPr/>
                     <a:lstStyle/>
                     <a:p>
-                      <a:endParaRPr lang="en-US" dirty="0"/>
+                      <a:endParaRPr lang="en-US" sz="3000" dirty="0"/>
                     </a:p>
                   </a:txBody>
-                  <a:tcPr>
+                  <a:tcPr marL="88678" marR="88678" marT="44339" marB="44339">
                     <a:lnL w="76200" cap="flat" cmpd="sng" algn="ctr">
                       <a:solidFill>
                         <a:schemeClr val="tx1"/>
@@ -3179,16 +3177,16 @@
                   </a:tcPr>
                 </a:tc>
               </a:tr>
-              <a:tr h="2865820">
+              <a:tr h="2748674">
                 <a:tc>
                   <a:txBody>
                     <a:bodyPr/>
                     <a:lstStyle/>
                     <a:p>
-                      <a:endParaRPr lang="en-US"/>
+                      <a:endParaRPr lang="en-US" sz="3000"/>
                     </a:p>
                   </a:txBody>
-                  <a:tcPr>
+                  <a:tcPr marL="88678" marR="88678" marT="44339" marB="44339">
                     <a:lnL w="12700" cmpd="sng">
                       <a:noFill/>
                     </a:lnL>
@@ -3222,10 +3220,10 @@
                     <a:bodyPr/>
                     <a:lstStyle/>
                     <a:p>
-                      <a:endParaRPr lang="en-US" dirty="0"/>
+                      <a:endParaRPr lang="en-US" sz="3000" dirty="0"/>
                     </a:p>
                   </a:txBody>
-                  <a:tcPr>
+                  <a:tcPr marL="88678" marR="88678" marT="44339" marB="44339">
                     <a:lnL w="12700" cmpd="sng">
                       <a:noFill/>
                     </a:lnL>
@@ -3265,10 +3263,10 @@
                     <a:bodyPr/>
                     <a:lstStyle/>
                     <a:p>
-                      <a:endParaRPr lang="en-US" dirty="0"/>
+                      <a:endParaRPr lang="en-US" sz="3000" dirty="0"/>
                     </a:p>
                   </a:txBody>
-                  <a:tcPr>
+                  <a:tcPr marL="88678" marR="88678" marT="44339" marB="44339">
                     <a:lnL w="76200" cap="flat" cmpd="sng" algn="ctr">
                       <a:solidFill>
                         <a:schemeClr val="tx1"/>
@@ -3316,19 +3314,19 @@
         </p:nvSpPr>
         <p:spPr>
           <a:xfrm rot="5400000">
-            <a:off x="6322386" y="-3702401"/>
-            <a:ext cx="968100" cy="8640874"/>
+            <a:off x="7187341" y="-4300600"/>
+            <a:ext cx="938862" cy="9993815"/>
           </a:xfrm>
           <a:prstGeom prst="roundRect">
             <a:avLst/>
           </a:prstGeom>
           <a:solidFill>
-            <a:schemeClr val="accent1">
-              <a:lumMod val="75000"/>
-            </a:schemeClr>
+            <a:srgbClr val="FFA98B"/>
           </a:solidFill>
           <a:ln>
-            <a:noFill/>
+            <a:solidFill>
+              <a:srgbClr val="FFA98B"/>
+            </a:solidFill>
           </a:ln>
         </p:spPr>
         <p:style>
@@ -3348,7 +3346,7 @@
           </a:fontRef>
         </p:style>
         <p:txBody>
-          <a:bodyPr rot="0" spcFirstLastPara="0" vertOverflow="overflow" horzOverflow="overflow" vert="vert270" wrap="square" lIns="91440" tIns="45720" rIns="91440" bIns="45720" numCol="1" spcCol="0" rtlCol="0" fromWordArt="0" anchor="ctr" anchorCtr="0" forceAA="0" compatLnSpc="1">
+          <a:bodyPr rot="0" spcFirstLastPara="0" vertOverflow="overflow" horzOverflow="overflow" vert="vert270" wrap="square" lIns="88678" tIns="44339" rIns="88678" bIns="44339" numCol="1" spcCol="0" rtlCol="0" fromWordArt="0" anchor="ctr" anchorCtr="0" forceAA="0" compatLnSpc="1">
             <a:prstTxWarp prst="textNoShape">
               <a:avLst/>
             </a:prstTxWarp>
@@ -3358,7 +3356,7 @@
           <a:p>
             <a:pPr algn="ctr"/>
             <a:r>
-              <a:rPr lang="en-US" sz="4400" b="1" dirty="0">
+              <a:rPr lang="en-US" sz="4267" b="1" dirty="0">
                 <a:solidFill>
                   <a:schemeClr val="bg1"/>
                 </a:solidFill>
@@ -3376,19 +3374,19 @@
         </p:nvSpPr>
         <p:spPr>
           <a:xfrm rot="5400000">
-            <a:off x="14260995" y="-2376303"/>
-            <a:ext cx="968099" cy="5991772"/>
+            <a:off x="14502498" y="-1034037"/>
+            <a:ext cx="938861" cy="3518999"/>
           </a:xfrm>
           <a:prstGeom prst="roundRect">
             <a:avLst/>
           </a:prstGeom>
           <a:solidFill>
-            <a:schemeClr val="accent1">
-              <a:lumMod val="75000"/>
-            </a:schemeClr>
+            <a:srgbClr val="FFA98B"/>
           </a:solidFill>
           <a:ln>
-            <a:noFill/>
+            <a:solidFill>
+              <a:srgbClr val="FFA98B"/>
+            </a:solidFill>
           </a:ln>
         </p:spPr>
         <p:style>
@@ -3408,7 +3406,7 @@
           </a:fontRef>
         </p:style>
         <p:txBody>
-          <a:bodyPr rot="0" spcFirstLastPara="0" vertOverflow="overflow" horzOverflow="overflow" vert="vert270" wrap="square" lIns="91440" tIns="45720" rIns="91440" bIns="45720" numCol="1" spcCol="0" rtlCol="0" fromWordArt="0" anchor="ctr" anchorCtr="0" forceAA="0" compatLnSpc="1">
+          <a:bodyPr rot="0" spcFirstLastPara="0" vertOverflow="overflow" horzOverflow="overflow" vert="vert270" wrap="square" lIns="88678" tIns="44339" rIns="88678" bIns="44339" numCol="1" spcCol="0" rtlCol="0" fromWordArt="0" anchor="ctr" anchorCtr="0" forceAA="0" compatLnSpc="1">
             <a:prstTxWarp prst="textNoShape">
               <a:avLst/>
             </a:prstTxWarp>
@@ -3418,7 +3416,7 @@
           <a:p>
             <a:pPr algn="ctr"/>
             <a:r>
-              <a:rPr lang="en-US" sz="4400" b="1" dirty="0">
+              <a:rPr lang="en-US" sz="4267" b="1" dirty="0">
                 <a:solidFill>
                   <a:schemeClr val="bg1"/>
                 </a:solidFill>
@@ -3435,20 +3433,20 @@
           <p:nvPr/>
         </p:nvSpPr>
         <p:spPr>
-          <a:xfrm>
-            <a:off x="1375657" y="1419765"/>
-            <a:ext cx="1110342" cy="2761897"/>
+          <a:xfrm rot="5400000">
+            <a:off x="-2144320" y="3973383"/>
+            <a:ext cx="7009142" cy="2067290"/>
           </a:xfrm>
           <a:prstGeom prst="roundRect">
             <a:avLst/>
           </a:prstGeom>
           <a:solidFill>
-            <a:schemeClr val="accent6">
-              <a:lumMod val="75000"/>
-            </a:schemeClr>
+            <a:srgbClr val="DFACCA"/>
           </a:solidFill>
           <a:ln>
-            <a:noFill/>
+            <a:solidFill>
+              <a:srgbClr val="DFACCA"/>
+            </a:solidFill>
           </a:ln>
         </p:spPr>
         <p:style>
@@ -3468,7 +3466,7 @@
           </a:fontRef>
         </p:style>
         <p:txBody>
-          <a:bodyPr rot="0" spcFirstLastPara="0" vertOverflow="overflow" horzOverflow="overflow" vert="vert270" wrap="square" lIns="91440" tIns="45720" rIns="91440" bIns="45720" numCol="1" spcCol="0" rtlCol="0" fromWordArt="0" anchor="ctr" anchorCtr="0" forceAA="0" compatLnSpc="1">
+          <a:bodyPr rot="0" spcFirstLastPara="0" vertOverflow="overflow" horzOverflow="overflow" vert="vert270" wrap="square" lIns="88678" tIns="44339" rIns="88678" bIns="44339" numCol="1" spcCol="0" rtlCol="0" fromWordArt="0" anchor="ctr" anchorCtr="0" forceAA="0" compatLnSpc="1">
             <a:prstTxWarp prst="textNoShape">
               <a:avLst/>
             </a:prstTxWarp>
@@ -3478,9 +3476,9 @@
           <a:p>
             <a:pPr algn="ctr"/>
             <a:r>
-              <a:rPr lang="en-US" sz="3000" b="1" dirty="0">
+              <a:rPr lang="en-US" sz="3394" b="1" dirty="0">
                 <a:solidFill>
-                  <a:schemeClr val="bg1"/>
+                  <a:schemeClr val="tx1"/>
                 </a:solidFill>
               </a:rPr>
               <a:t>Variable Selection</a:t>
@@ -3495,20 +3493,20 @@
           <p:nvPr/>
         </p:nvSpPr>
         <p:spPr>
-          <a:xfrm>
-            <a:off x="1400267" y="4419962"/>
-            <a:ext cx="1110342" cy="2584694"/>
+          <a:xfrm rot="5400000">
+            <a:off x="198976" y="8783036"/>
+            <a:ext cx="2336157" cy="2080894"/>
           </a:xfrm>
           <a:prstGeom prst="roundRect">
             <a:avLst/>
           </a:prstGeom>
           <a:solidFill>
-            <a:schemeClr val="accent6">
-              <a:lumMod val="75000"/>
-            </a:schemeClr>
+            <a:srgbClr val="DFACCA"/>
           </a:solidFill>
           <a:ln>
-            <a:noFill/>
+            <a:solidFill>
+              <a:srgbClr val="DFACCA"/>
+            </a:solidFill>
           </a:ln>
         </p:spPr>
         <p:style>
@@ -3528,7 +3526,7 @@
           </a:fontRef>
         </p:style>
         <p:txBody>
-          <a:bodyPr rot="0" spcFirstLastPara="0" vertOverflow="overflow" horzOverflow="overflow" vert="vert270" wrap="square" lIns="91440" tIns="45720" rIns="91440" bIns="45720" numCol="1" spcCol="0" rtlCol="0" fromWordArt="0" anchor="ctr" anchorCtr="0" forceAA="0" compatLnSpc="1">
+          <a:bodyPr rot="0" spcFirstLastPara="0" vertOverflow="overflow" horzOverflow="overflow" vert="vert270" wrap="square" lIns="88678" tIns="44339" rIns="88678" bIns="44339" numCol="1" spcCol="0" rtlCol="0" fromWordArt="0" anchor="ctr" anchorCtr="0" forceAA="0" compatLnSpc="1">
             <a:prstTxWarp prst="textNoShape">
               <a:avLst/>
             </a:prstTxWarp>
@@ -3538,9 +3536,9 @@
           <a:p>
             <a:pPr algn="ctr"/>
             <a:r>
-              <a:rPr lang="en-US" sz="3000" b="1" dirty="0">
+              <a:rPr lang="en-US" sz="2909" b="1" dirty="0">
                 <a:solidFill>
-                  <a:schemeClr val="bg1"/>
+                  <a:schemeClr val="tx1"/>
                 </a:solidFill>
               </a:rPr>
               <a:t>No variable selection</a:t>
@@ -3556,22 +3554,20 @@
         </p:nvSpPr>
         <p:spPr>
           <a:xfrm>
-            <a:off x="14001797" y="2077461"/>
-            <a:ext cx="3739135" cy="4695250"/>
+            <a:off x="10096521" y="6326874"/>
+            <a:ext cx="6634905" cy="4664690"/>
           </a:xfrm>
           <a:prstGeom prst="roundRect">
             <a:avLst/>
           </a:prstGeom>
           <a:solidFill>
-            <a:schemeClr val="bg1">
-              <a:alpha val="89000"/>
-            </a:schemeClr>
+            <a:srgbClr val="FFC000">
+              <a:alpha val="27000"/>
+            </a:srgbClr>
           </a:solidFill>
           <a:ln w="76200">
             <a:solidFill>
-              <a:schemeClr val="accent1">
-                <a:lumMod val="75000"/>
-              </a:schemeClr>
+              <a:srgbClr val="FFC000"/>
             </a:solidFill>
           </a:ln>
         </p:spPr>
@@ -3596,155 +3592,11 @@
           <a:lstStyle/>
           <a:p>
             <a:pPr algn="ctr"/>
-            <a:endParaRPr lang="en-US"/>
-          </a:p>
-        </p:txBody>
-      </p:sp>
-      <p:sp>
-        <p:nvSpPr>
-          <p:cNvPr id="62" name="Rounded Rectangle 61"/>
-          <p:cNvSpPr/>
-          <p:nvPr/>
-        </p:nvSpPr>
-        <p:spPr>
-          <a:xfrm>
-            <a:off x="5476710" y="3083987"/>
-            <a:ext cx="2139232" cy="4021844"/>
-          </a:xfrm>
-          <a:prstGeom prst="roundRect">
-            <a:avLst/>
-          </a:prstGeom>
-          <a:solidFill>
-            <a:schemeClr val="bg1">
-              <a:alpha val="81000"/>
-            </a:schemeClr>
-          </a:solidFill>
-          <a:ln w="76200">
-            <a:solidFill>
-              <a:srgbClr val="FFA98B"/>
-            </a:solidFill>
-          </a:ln>
-        </p:spPr>
-        <p:style>
-          <a:lnRef idx="2">
-            <a:schemeClr val="accent1">
-              <a:shade val="50000"/>
-            </a:schemeClr>
-          </a:lnRef>
-          <a:fillRef idx="1">
-            <a:schemeClr val="accent1"/>
-          </a:fillRef>
-          <a:effectRef idx="0">
-            <a:schemeClr val="accent1"/>
-          </a:effectRef>
-          <a:fontRef idx="minor">
-            <a:schemeClr val="lt1"/>
-          </a:fontRef>
-        </p:style>
-        <p:txBody>
-          <a:bodyPr rtlCol="0" anchor="ctr"/>
-          <a:lstStyle/>
-          <a:p>
-            <a:pPr algn="ctr"/>
-            <a:endParaRPr lang="en-US"/>
-          </a:p>
-        </p:txBody>
-      </p:sp>
-      <p:sp>
-        <p:nvSpPr>
-          <p:cNvPr id="63" name="Rounded Rectangle 62"/>
-          <p:cNvSpPr/>
-          <p:nvPr/>
-        </p:nvSpPr>
-        <p:spPr>
-          <a:xfrm>
-            <a:off x="7171315" y="1428845"/>
-            <a:ext cx="7396054" cy="4259917"/>
-          </a:xfrm>
-          <a:prstGeom prst="roundRect">
-            <a:avLst/>
-          </a:prstGeom>
-          <a:solidFill>
-            <a:schemeClr val="bg1">
-              <a:alpha val="79000"/>
-            </a:schemeClr>
-          </a:solidFill>
-          <a:ln w="76200">
-            <a:solidFill>
-              <a:srgbClr val="DFACCA"/>
-            </a:solidFill>
-          </a:ln>
-        </p:spPr>
-        <p:style>
-          <a:lnRef idx="2">
-            <a:schemeClr val="accent1">
-              <a:shade val="50000"/>
-            </a:schemeClr>
-          </a:lnRef>
-          <a:fillRef idx="1">
-            <a:schemeClr val="accent1"/>
-          </a:fillRef>
-          <a:effectRef idx="0">
-            <a:schemeClr val="accent1"/>
-          </a:effectRef>
-          <a:fontRef idx="minor">
-            <a:schemeClr val="lt1"/>
-          </a:fontRef>
-        </p:style>
-        <p:txBody>
-          <a:bodyPr rtlCol="0" anchor="ctr"/>
-          <a:lstStyle/>
-          <a:p>
-            <a:pPr algn="ctr"/>
-            <a:endParaRPr lang="en-US"/>
-          </a:p>
-        </p:txBody>
-      </p:sp>
-      <p:sp>
-        <p:nvSpPr>
-          <p:cNvPr id="64" name="Rounded Rectangle 63"/>
-          <p:cNvSpPr/>
-          <p:nvPr/>
-        </p:nvSpPr>
-        <p:spPr>
-          <a:xfrm>
-            <a:off x="2678477" y="4419962"/>
-            <a:ext cx="2655370" cy="2580258"/>
-          </a:xfrm>
-          <a:prstGeom prst="roundRect">
-            <a:avLst/>
-          </a:prstGeom>
-          <a:solidFill>
-            <a:schemeClr val="bg1"/>
-          </a:solidFill>
-          <a:ln w="76200">
-            <a:solidFill>
-              <a:srgbClr val="95F8FF"/>
-            </a:solidFill>
-          </a:ln>
-        </p:spPr>
-        <p:style>
-          <a:lnRef idx="2">
-            <a:schemeClr val="accent1">
-              <a:shade val="50000"/>
-            </a:schemeClr>
-          </a:lnRef>
-          <a:fillRef idx="1">
-            <a:schemeClr val="accent1"/>
-          </a:fillRef>
-          <a:effectRef idx="0">
-            <a:schemeClr val="accent1"/>
-          </a:effectRef>
-          <a:fontRef idx="minor">
-            <a:schemeClr val="lt1"/>
-          </a:fontRef>
-        </p:style>
-        <p:txBody>
-          <a:bodyPr rtlCol="0" anchor="ctr"/>
-          <a:lstStyle/>
-          <a:p>
-            <a:pPr algn="ctr"/>
-            <a:endParaRPr lang="en-US"/>
+            <a:endParaRPr lang="en-US" sz="2611" dirty="0">
+              <a:solidFill>
+                <a:schemeClr val="tx1"/>
+              </a:solidFill>
+            </a:endParaRPr>
           </a:p>
         </p:txBody>
       </p:sp>
@@ -3755,18 +3607,21 @@
           <p:nvPr/>
         </p:nvSpPr>
         <p:spPr>
-          <a:xfrm>
-            <a:off x="9733943" y="3688560"/>
-            <a:ext cx="3339446" cy="3417271"/>
+          <a:xfrm rot="5400000">
+            <a:off x="4951093" y="-788771"/>
+            <a:ext cx="9489104" cy="14071561"/>
           </a:xfrm>
           <a:prstGeom prst="corner">
             <a:avLst>
-              <a:gd name="adj1" fmla="val 37500"/>
-              <a:gd name="adj2" fmla="val 46121"/>
+              <a:gd name="adj1" fmla="val 29851"/>
+              <a:gd name="adj2" fmla="val 12688"/>
             </a:avLst>
           </a:prstGeom>
           <a:solidFill>
-            <a:schemeClr val="bg1"/>
+            <a:schemeClr val="accent6">
+              <a:lumMod val="50000"/>
+              <a:alpha val="30000"/>
+            </a:schemeClr>
           </a:solidFill>
           <a:ln w="76200">
             <a:solidFill>
@@ -3797,22 +3652,1867 @@
           <a:lstStyle/>
           <a:p>
             <a:pPr algn="ctr"/>
-            <a:endParaRPr lang="en-US"/>
-          </a:p>
-        </p:txBody>
-      </p:sp>
-      <p:sp>
-        <p:nvSpPr>
-          <p:cNvPr id="60" name="Rounded Rectangle 59"/>
+            <a:endParaRPr lang="en-US" sz="2611"/>
+          </a:p>
+        </p:txBody>
+      </p:sp>
+      <p:sp>
+        <p:nvSpPr>
+          <p:cNvPr id="75" name="TextBox 74"/>
+          <p:cNvSpPr txBox="1"/>
+          <p:nvPr/>
+        </p:nvSpPr>
+        <p:spPr>
+          <a:xfrm>
+            <a:off x="6589605" y="9972893"/>
+            <a:ext cx="2628153" cy="861774"/>
+          </a:xfrm>
+          <a:prstGeom prst="rect">
+            <a:avLst/>
+          </a:prstGeom>
+          <a:noFill/>
+          <a:ln>
+            <a:noFill/>
+          </a:ln>
+        </p:spPr>
+        <p:txBody>
+          <a:bodyPr wrap="square" rtlCol="0">
+            <a:spAutoFit/>
+          </a:bodyPr>
+          <a:lstStyle/>
+          <a:p>
+            <a:pPr algn="ctr"/>
+            <a:r>
+              <a:rPr lang="en-US" sz="2500" dirty="0"/>
+              <a:t>SNF</a:t>
+            </a:r>
+            <a:r>
+              <a:rPr lang="en-US" sz="2500"/>
+              <a:t>: </a:t>
+            </a:r>
+            <a:r>
+              <a:rPr lang="en-US" sz="2500" dirty="0" err="1" smtClean="0">
+                <a:latin typeface="Courier New" charset="0"/>
+                <a:ea typeface="Courier New" charset="0"/>
+                <a:cs typeface="Courier New" charset="0"/>
+              </a:rPr>
+              <a:t>SNFtool</a:t>
+            </a:r>
+            <a:endParaRPr lang="en-US" sz="2500" dirty="0" smtClean="0"/>
+          </a:p>
+          <a:p>
+            <a:pPr algn="ctr"/>
+            <a:r>
+              <a:rPr lang="en-US" sz="2500" dirty="0" smtClean="0"/>
+              <a:t>PANDA</a:t>
+            </a:r>
+            <a:r>
+              <a:rPr lang="en-US" sz="2500" dirty="0"/>
+              <a:t>: </a:t>
+            </a:r>
+            <a:r>
+              <a:rPr lang="en-US" sz="2500" dirty="0" err="1">
+                <a:latin typeface="Courier New" charset="0"/>
+                <a:ea typeface="Courier New" charset="0"/>
+                <a:cs typeface="Courier New" charset="0"/>
+              </a:rPr>
+              <a:t>pandaR</a:t>
+            </a:r>
+            <a:endParaRPr lang="en-US" sz="2500" dirty="0">
+              <a:latin typeface="Courier New" charset="0"/>
+              <a:ea typeface="Courier New" charset="0"/>
+              <a:cs typeface="Courier New" charset="0"/>
+            </a:endParaRPr>
+          </a:p>
+        </p:txBody>
+      </p:sp>
+      <p:sp>
+        <p:nvSpPr>
+          <p:cNvPr id="78" name="TextBox 77"/>
+          <p:cNvSpPr txBox="1"/>
+          <p:nvPr/>
+        </p:nvSpPr>
+        <p:spPr>
+          <a:xfrm>
+            <a:off x="2791607" y="1901477"/>
+            <a:ext cx="2638239" cy="2328153"/>
+          </a:xfrm>
+          <a:prstGeom prst="rect">
+            <a:avLst/>
+          </a:prstGeom>
+          <a:noFill/>
+          <a:ln>
+            <a:noFill/>
+          </a:ln>
+        </p:spPr>
+        <p:txBody>
+          <a:bodyPr wrap="square" rtlCol="0">
+            <a:spAutoFit/>
+          </a:bodyPr>
+          <a:lstStyle/>
+          <a:p>
+            <a:pPr algn="ctr"/>
+            <a:r>
+              <a:rPr lang="en-US" sz="2425" dirty="0"/>
+              <a:t>JIVE: </a:t>
+            </a:r>
+            <a:r>
+              <a:rPr lang="en-US" sz="2425" dirty="0" err="1">
+                <a:latin typeface="Courier New" charset="0"/>
+                <a:ea typeface="Courier New" charset="0"/>
+                <a:cs typeface="Courier New" charset="0"/>
+              </a:rPr>
+              <a:t>r.jive</a:t>
+            </a:r>
+            <a:endParaRPr lang="en-US" sz="2425" dirty="0">
+              <a:latin typeface="Courier New" charset="0"/>
+              <a:ea typeface="Courier New" charset="0"/>
+              <a:cs typeface="Courier New" charset="0"/>
+            </a:endParaRPr>
+          </a:p>
+          <a:p>
+            <a:pPr algn="ctr"/>
+            <a:r>
+              <a:rPr lang="en-US" sz="2425" dirty="0" err="1"/>
+              <a:t>sMBPLS</a:t>
+            </a:r>
+            <a:r>
+              <a:rPr lang="en-US" sz="2425" baseline="30000" dirty="0" err="1"/>
+              <a:t>a</a:t>
+            </a:r>
+            <a:endParaRPr lang="en-US" sz="2425" baseline="30000" dirty="0"/>
+          </a:p>
+          <a:p>
+            <a:pPr algn="ctr"/>
+            <a:r>
+              <a:rPr lang="en-US" sz="2425" dirty="0" err="1"/>
+              <a:t>sGCCA</a:t>
+            </a:r>
+            <a:r>
+              <a:rPr lang="en-US" sz="2425" dirty="0"/>
+              <a:t>: </a:t>
+            </a:r>
+            <a:r>
+              <a:rPr lang="en-US" sz="2425" dirty="0" err="1">
+                <a:latin typeface="Courier New" charset="0"/>
+                <a:ea typeface="Courier New" charset="0"/>
+                <a:cs typeface="Courier New" charset="0"/>
+              </a:rPr>
+              <a:t>mixOmics</a:t>
+            </a:r>
+            <a:endParaRPr lang="en-US" sz="2425" dirty="0">
+              <a:latin typeface="Courier New" charset="0"/>
+              <a:ea typeface="Courier New" charset="0"/>
+              <a:cs typeface="Courier New" charset="0"/>
+            </a:endParaRPr>
+          </a:p>
+          <a:p>
+            <a:pPr algn="ctr"/>
+            <a:r>
+              <a:rPr lang="en-US" sz="2425" dirty="0" err="1"/>
+              <a:t>iClusterPlus</a:t>
+            </a:r>
+            <a:r>
+              <a:rPr lang="en-US" sz="2425" dirty="0"/>
+              <a:t>: </a:t>
+            </a:r>
+            <a:r>
+              <a:rPr lang="en-US" sz="2425" dirty="0" err="1">
+                <a:latin typeface="Courier New" charset="0"/>
+                <a:ea typeface="Courier New" charset="0"/>
+                <a:cs typeface="Courier New" charset="0"/>
+              </a:rPr>
+              <a:t>iClusterPlus</a:t>
+            </a:r>
+            <a:endParaRPr lang="en-US" sz="2425" dirty="0">
+              <a:latin typeface="Courier New" charset="0"/>
+              <a:ea typeface="Courier New" charset="0"/>
+              <a:cs typeface="Courier New" charset="0"/>
+            </a:endParaRPr>
+          </a:p>
+          <a:p>
+            <a:pPr algn="ctr"/>
+            <a:r>
+              <a:rPr lang="en-US" sz="2425" dirty="0" err="1"/>
+              <a:t>SNMNMF</a:t>
+            </a:r>
+            <a:r>
+              <a:rPr lang="en-US" sz="2425" baseline="30000" dirty="0" err="1"/>
+              <a:t>a</a:t>
+            </a:r>
+            <a:endParaRPr lang="en-US" sz="2425" baseline="30000" dirty="0"/>
+          </a:p>
+        </p:txBody>
+      </p:sp>
+      <p:sp>
+        <p:nvSpPr>
+          <p:cNvPr id="80" name="TextBox 79"/>
+          <p:cNvSpPr txBox="1"/>
+          <p:nvPr/>
+        </p:nvSpPr>
+        <p:spPr>
+          <a:xfrm>
+            <a:off x="5686010" y="8647383"/>
+            <a:ext cx="2196046" cy="465512"/>
+          </a:xfrm>
+          <a:prstGeom prst="rect">
+            <a:avLst/>
+          </a:prstGeom>
+          <a:noFill/>
+          <a:ln>
+            <a:noFill/>
+          </a:ln>
+        </p:spPr>
+        <p:txBody>
+          <a:bodyPr wrap="square" rtlCol="0">
+            <a:spAutoFit/>
+          </a:bodyPr>
+          <a:lstStyle/>
+          <a:p>
+            <a:pPr algn="ctr"/>
+            <a:r>
+              <a:rPr lang="en-US" sz="2425" dirty="0"/>
+              <a:t>BCC: </a:t>
+            </a:r>
+            <a:r>
+              <a:rPr lang="en-US" sz="2425" dirty="0" err="1">
+                <a:latin typeface="Courier New" charset="0"/>
+                <a:ea typeface="Courier New" charset="0"/>
+                <a:cs typeface="Courier New" charset="0"/>
+              </a:rPr>
+              <a:t>bayesCC</a:t>
+            </a:r>
+            <a:endParaRPr lang="en-US" sz="2425" dirty="0">
+              <a:latin typeface="Courier New" charset="0"/>
+              <a:ea typeface="Courier New" charset="0"/>
+              <a:cs typeface="Courier New" charset="0"/>
+            </a:endParaRPr>
+          </a:p>
+        </p:txBody>
+      </p:sp>
+      <p:sp>
+        <p:nvSpPr>
+          <p:cNvPr id="81" name="TextBox 80"/>
+          <p:cNvSpPr txBox="1"/>
+          <p:nvPr/>
+        </p:nvSpPr>
+        <p:spPr>
+          <a:xfrm>
+            <a:off x="14088268" y="3687160"/>
+            <a:ext cx="1132844" cy="462646"/>
+          </a:xfrm>
+          <a:prstGeom prst="rect">
+            <a:avLst/>
+          </a:prstGeom>
+          <a:noFill/>
+          <a:ln>
+            <a:noFill/>
+          </a:ln>
+        </p:spPr>
+        <p:txBody>
+          <a:bodyPr wrap="square" rtlCol="0">
+            <a:spAutoFit/>
+          </a:bodyPr>
+          <a:lstStyle/>
+          <a:p>
+            <a:pPr algn="ctr"/>
+            <a:r>
+              <a:rPr lang="en-US" sz="2425" dirty="0" err="1" smtClean="0"/>
+              <a:t>iBAG</a:t>
+            </a:r>
+            <a:r>
+              <a:rPr lang="en-US" sz="2425" baseline="30000" dirty="0" err="1" smtClean="0"/>
+              <a:t>d</a:t>
+            </a:r>
+            <a:endParaRPr lang="en-US" sz="2425" baseline="30000" dirty="0"/>
+          </a:p>
+        </p:txBody>
+      </p:sp>
+      <p:sp>
+        <p:nvSpPr>
+          <p:cNvPr id="82" name="TextBox 81"/>
+          <p:cNvSpPr txBox="1"/>
+          <p:nvPr/>
+        </p:nvSpPr>
+        <p:spPr>
+          <a:xfrm>
+            <a:off x="5860804" y="9296082"/>
+            <a:ext cx="1953207" cy="465512"/>
+          </a:xfrm>
+          <a:prstGeom prst="rect">
+            <a:avLst/>
+          </a:prstGeom>
+          <a:noFill/>
+          <a:ln>
+            <a:noFill/>
+          </a:ln>
+        </p:spPr>
+        <p:txBody>
+          <a:bodyPr wrap="square" rtlCol="0">
+            <a:spAutoFit/>
+          </a:bodyPr>
+          <a:lstStyle/>
+          <a:p>
+            <a:pPr algn="ctr"/>
+            <a:r>
+              <a:rPr lang="en-US" sz="2425" dirty="0" err="1"/>
+              <a:t>RIMBANET</a:t>
+            </a:r>
+            <a:r>
+              <a:rPr lang="en-US" sz="2425" baseline="30000" dirty="0" err="1"/>
+              <a:t>c</a:t>
+            </a:r>
+            <a:endParaRPr lang="en-US" sz="2425" baseline="30000" dirty="0"/>
+          </a:p>
+        </p:txBody>
+      </p:sp>
+      <p:sp>
+        <p:nvSpPr>
+          <p:cNvPr id="31" name="TextBox 30"/>
+          <p:cNvSpPr txBox="1"/>
+          <p:nvPr/>
+        </p:nvSpPr>
+        <p:spPr>
+          <a:xfrm>
+            <a:off x="2719777" y="9046870"/>
+            <a:ext cx="2743622" cy="1522253"/>
+          </a:xfrm>
+          <a:prstGeom prst="rect">
+            <a:avLst/>
+          </a:prstGeom>
+          <a:noFill/>
+          <a:ln>
+            <a:noFill/>
+          </a:ln>
+        </p:spPr>
+        <p:txBody>
+          <a:bodyPr wrap="square" rtlCol="0">
+            <a:spAutoFit/>
+          </a:bodyPr>
+          <a:lstStyle/>
+          <a:p>
+            <a:pPr algn="ctr"/>
+            <a:r>
+              <a:rPr lang="en-US" sz="2328" dirty="0"/>
+              <a:t>MCIA: </a:t>
+            </a:r>
+            <a:r>
+              <a:rPr lang="en-US" sz="2328" dirty="0">
+                <a:latin typeface="Courier New" charset="0"/>
+                <a:ea typeface="Courier New" charset="0"/>
+                <a:cs typeface="Courier New" charset="0"/>
+              </a:rPr>
+              <a:t>Omicade4</a:t>
+            </a:r>
+          </a:p>
+          <a:p>
+            <a:pPr algn="ctr"/>
+            <a:r>
+              <a:rPr lang="en-US" sz="2328" dirty="0" err="1"/>
+              <a:t>rGCCA</a:t>
+            </a:r>
+            <a:r>
+              <a:rPr lang="en-US" sz="2328" dirty="0"/>
+              <a:t>: </a:t>
+            </a:r>
+            <a:r>
+              <a:rPr lang="en-US" sz="2328" dirty="0" err="1">
+                <a:latin typeface="Courier New" charset="0"/>
+                <a:ea typeface="Courier New" charset="0"/>
+                <a:cs typeface="Courier New" charset="0"/>
+              </a:rPr>
+              <a:t>mixOmics</a:t>
+            </a:r>
+            <a:endParaRPr lang="en-US" sz="2328" dirty="0">
+              <a:latin typeface="Courier New" charset="0"/>
+              <a:ea typeface="Courier New" charset="0"/>
+              <a:cs typeface="Courier New" charset="0"/>
+            </a:endParaRPr>
+          </a:p>
+          <a:p>
+            <a:pPr algn="ctr"/>
+            <a:r>
+              <a:rPr lang="en-US" sz="2328" dirty="0"/>
+              <a:t>Joint </a:t>
+            </a:r>
+            <a:r>
+              <a:rPr lang="en-US" sz="2328" dirty="0" err="1"/>
+              <a:t>NMF</a:t>
+            </a:r>
+            <a:r>
+              <a:rPr lang="en-US" sz="2328" baseline="30000" dirty="0" err="1"/>
+              <a:t>a</a:t>
+            </a:r>
+            <a:endParaRPr lang="en-US" sz="2328" baseline="30000" dirty="0"/>
+          </a:p>
+          <a:p>
+            <a:pPr algn="ctr"/>
+            <a:r>
+              <a:rPr lang="en-US" sz="2328" dirty="0"/>
+              <a:t>MFA: </a:t>
+            </a:r>
+            <a:r>
+              <a:rPr lang="en-US" sz="2328" dirty="0" err="1">
+                <a:latin typeface="Courier New" charset="0"/>
+                <a:ea typeface="Courier New" charset="0"/>
+                <a:cs typeface="Courier New" charset="0"/>
+              </a:rPr>
+              <a:t>FactoMineR</a:t>
+            </a:r>
+            <a:endParaRPr lang="en-US" sz="2328" dirty="0">
+              <a:latin typeface="Courier New" charset="0"/>
+              <a:ea typeface="Courier New" charset="0"/>
+              <a:cs typeface="Courier New" charset="0"/>
+            </a:endParaRPr>
+          </a:p>
+        </p:txBody>
+      </p:sp>
+      <p:sp>
+        <p:nvSpPr>
+          <p:cNvPr id="32" name="TextBox 31"/>
+          <p:cNvSpPr txBox="1"/>
+          <p:nvPr/>
+        </p:nvSpPr>
+        <p:spPr>
+          <a:xfrm>
+            <a:off x="13324747" y="1842636"/>
+            <a:ext cx="3294362" cy="838691"/>
+          </a:xfrm>
+          <a:prstGeom prst="rect">
+            <a:avLst/>
+          </a:prstGeom>
+          <a:noFill/>
+          <a:ln>
+            <a:noFill/>
+          </a:ln>
+        </p:spPr>
+        <p:txBody>
+          <a:bodyPr wrap="square" rtlCol="0">
+            <a:spAutoFit/>
+          </a:bodyPr>
+          <a:lstStyle/>
+          <a:p>
+            <a:pPr algn="ctr"/>
+            <a:r>
+              <a:rPr lang="en-US" sz="2425" smtClean="0"/>
+              <a:t>DIABLO</a:t>
+            </a:r>
+            <a:r>
+              <a:rPr lang="en-US" sz="2425" dirty="0"/>
+              <a:t>: </a:t>
+            </a:r>
+            <a:r>
+              <a:rPr lang="en-US" sz="2425" dirty="0" err="1">
+                <a:latin typeface="Courier New" charset="0"/>
+                <a:ea typeface="Courier New" charset="0"/>
+                <a:cs typeface="Courier New" charset="0"/>
+              </a:rPr>
+              <a:t>mixOmics</a:t>
+            </a:r>
+            <a:endParaRPr lang="en-US" sz="2425" dirty="0">
+              <a:latin typeface="Courier New" charset="0"/>
+              <a:ea typeface="Courier New" charset="0"/>
+              <a:cs typeface="Courier New" charset="0"/>
+            </a:endParaRPr>
+          </a:p>
+          <a:p>
+            <a:pPr algn="ctr"/>
+            <a:endParaRPr lang="en-US" sz="2425" dirty="0">
+              <a:latin typeface="Courier New" charset="0"/>
+              <a:ea typeface="Courier New" charset="0"/>
+              <a:cs typeface="Courier New" charset="0"/>
+            </a:endParaRPr>
+          </a:p>
+        </p:txBody>
+      </p:sp>
+      <p:sp>
+        <p:nvSpPr>
+          <p:cNvPr id="33" name="TextBox 32"/>
+          <p:cNvSpPr txBox="1"/>
+          <p:nvPr/>
+        </p:nvSpPr>
+        <p:spPr>
+          <a:xfrm>
+            <a:off x="3434086" y="7148385"/>
+            <a:ext cx="2008397" cy="835747"/>
+          </a:xfrm>
+          <a:prstGeom prst="rect">
+            <a:avLst/>
+          </a:prstGeom>
+          <a:noFill/>
+          <a:ln>
+            <a:noFill/>
+          </a:ln>
+        </p:spPr>
+        <p:txBody>
+          <a:bodyPr wrap="square" rtlCol="0">
+            <a:spAutoFit/>
+          </a:bodyPr>
+          <a:lstStyle/>
+          <a:p>
+            <a:pPr algn="ctr"/>
+            <a:r>
+              <a:rPr lang="en-US" sz="2425" dirty="0"/>
+              <a:t>MOFA: </a:t>
+            </a:r>
+          </a:p>
+          <a:p>
+            <a:pPr algn="ctr"/>
+            <a:r>
+              <a:rPr lang="en-US" sz="2425" dirty="0" err="1">
+                <a:latin typeface="Courier New" charset="0"/>
+                <a:ea typeface="Courier New" charset="0"/>
+                <a:cs typeface="Courier New" charset="0"/>
+              </a:rPr>
+              <a:t>MOFAtools</a:t>
+            </a:r>
+            <a:endParaRPr lang="en-US" sz="2425" dirty="0">
+              <a:latin typeface="Courier New" charset="0"/>
+              <a:ea typeface="Courier New" charset="0"/>
+              <a:cs typeface="Courier New" charset="0"/>
+            </a:endParaRPr>
+          </a:p>
+        </p:txBody>
+      </p:sp>
+      <p:sp>
+        <p:nvSpPr>
+          <p:cNvPr id="35" name="TextBox 34"/>
+          <p:cNvSpPr txBox="1"/>
+          <p:nvPr/>
+        </p:nvSpPr>
+        <p:spPr>
+          <a:xfrm>
+            <a:off x="10319874" y="6989532"/>
+            <a:ext cx="2583662" cy="711380"/>
+          </a:xfrm>
+          <a:prstGeom prst="rect">
+            <a:avLst/>
+          </a:prstGeom>
+          <a:noFill/>
+          <a:ln>
+            <a:noFill/>
+          </a:ln>
+        </p:spPr>
+        <p:txBody>
+          <a:bodyPr wrap="square" rtlCol="0">
+            <a:spAutoFit/>
+          </a:bodyPr>
+          <a:lstStyle/>
+          <a:p>
+            <a:pPr algn="ctr"/>
+            <a:r>
+              <a:rPr lang="en-US" sz="2425" dirty="0" err="1"/>
+              <a:t>sPCA</a:t>
+            </a:r>
+            <a:r>
+              <a:rPr lang="en-US" sz="2425" dirty="0"/>
+              <a:t>: </a:t>
+            </a:r>
+            <a:r>
+              <a:rPr lang="en-US" sz="2425" dirty="0" err="1">
+                <a:latin typeface="Courier New" charset="0"/>
+                <a:ea typeface="Courier New" charset="0"/>
+                <a:cs typeface="Courier New" charset="0"/>
+              </a:rPr>
+              <a:t>mixOmics</a:t>
+            </a:r>
+            <a:endParaRPr lang="en-US" sz="2425" dirty="0"/>
+          </a:p>
+          <a:p>
+            <a:pPr algn="ctr"/>
+            <a:endParaRPr lang="en-US" sz="2425" baseline="30000" dirty="0"/>
+          </a:p>
+        </p:txBody>
+      </p:sp>
+      <p:sp>
+        <p:nvSpPr>
+          <p:cNvPr id="36" name="TextBox 35"/>
+          <p:cNvSpPr txBox="1"/>
+          <p:nvPr/>
+        </p:nvSpPr>
+        <p:spPr>
+          <a:xfrm>
+            <a:off x="10410407" y="9542762"/>
+            <a:ext cx="2754703" cy="1208849"/>
+          </a:xfrm>
+          <a:prstGeom prst="rect">
+            <a:avLst/>
+          </a:prstGeom>
+          <a:noFill/>
+          <a:ln>
+            <a:noFill/>
+          </a:ln>
+        </p:spPr>
+        <p:txBody>
+          <a:bodyPr wrap="square" rtlCol="0">
+            <a:spAutoFit/>
+          </a:bodyPr>
+          <a:lstStyle/>
+          <a:p>
+            <a:r>
+              <a:rPr lang="en-US" sz="2425" dirty="0"/>
+              <a:t>PCA: </a:t>
+            </a:r>
+            <a:r>
+              <a:rPr lang="en-US" sz="2425" dirty="0" err="1">
+                <a:latin typeface="Courier New" charset="0"/>
+                <a:ea typeface="Courier New" charset="0"/>
+                <a:cs typeface="Courier New" charset="0"/>
+              </a:rPr>
+              <a:t>mixOmics</a:t>
+            </a:r>
+            <a:endParaRPr lang="en-US" sz="2425" dirty="0"/>
+          </a:p>
+          <a:p>
+            <a:r>
+              <a:rPr lang="en-US" sz="2425" dirty="0"/>
+              <a:t>NMF: </a:t>
+            </a:r>
+            <a:r>
+              <a:rPr lang="en-US" sz="2425" dirty="0">
+                <a:latin typeface="Courier New" charset="0"/>
+                <a:ea typeface="Courier New" charset="0"/>
+                <a:cs typeface="Courier New" charset="0"/>
+              </a:rPr>
+              <a:t>NMF</a:t>
+            </a:r>
+            <a:endParaRPr lang="en-US" sz="2425" dirty="0"/>
+          </a:p>
+          <a:p>
+            <a:r>
+              <a:rPr lang="en-US" sz="2425" dirty="0" err="1"/>
+              <a:t>tSNE</a:t>
+            </a:r>
+            <a:r>
+              <a:rPr lang="en-US" sz="2425" dirty="0"/>
+              <a:t>: </a:t>
+            </a:r>
+            <a:r>
+              <a:rPr lang="en-US" sz="2425" dirty="0" err="1">
+                <a:latin typeface="Courier New" charset="0"/>
+                <a:ea typeface="Courier New" charset="0"/>
+                <a:cs typeface="Courier New" charset="0"/>
+              </a:rPr>
+              <a:t>tsne</a:t>
+            </a:r>
+            <a:endParaRPr lang="en-US" sz="2425" dirty="0"/>
+          </a:p>
+        </p:txBody>
+      </p:sp>
+      <p:sp>
+        <p:nvSpPr>
+          <p:cNvPr id="37" name="TextBox 36"/>
+          <p:cNvSpPr txBox="1"/>
+          <p:nvPr/>
+        </p:nvSpPr>
+        <p:spPr>
+          <a:xfrm>
+            <a:off x="13420823" y="9413570"/>
+            <a:ext cx="3106795" cy="1581950"/>
+          </a:xfrm>
+          <a:prstGeom prst="rect">
+            <a:avLst/>
+          </a:prstGeom>
+          <a:noFill/>
+          <a:ln>
+            <a:noFill/>
+          </a:ln>
+        </p:spPr>
+        <p:txBody>
+          <a:bodyPr wrap="square" rtlCol="0">
+            <a:spAutoFit/>
+          </a:bodyPr>
+          <a:lstStyle/>
+          <a:p>
+            <a:r>
+              <a:rPr lang="en-US" sz="2425" dirty="0"/>
+              <a:t>PLSDA: </a:t>
+            </a:r>
+            <a:r>
+              <a:rPr lang="en-US" sz="2425" dirty="0" err="1">
+                <a:latin typeface="Courier New" charset="0"/>
+                <a:ea typeface="Courier New" charset="0"/>
+                <a:cs typeface="Courier New" charset="0"/>
+              </a:rPr>
+              <a:t>mixOmics</a:t>
+            </a:r>
+            <a:endParaRPr lang="en-US" sz="2425" dirty="0"/>
+          </a:p>
+          <a:p>
+            <a:r>
+              <a:rPr lang="en-US" sz="2425" dirty="0"/>
+              <a:t>SVM: </a:t>
+            </a:r>
+            <a:r>
+              <a:rPr lang="en-US" sz="2425" dirty="0">
+                <a:latin typeface="Courier New" charset="0"/>
+                <a:ea typeface="Courier New" charset="0"/>
+                <a:cs typeface="Courier New" charset="0"/>
+              </a:rPr>
+              <a:t>e1071</a:t>
+            </a:r>
+            <a:endParaRPr lang="en-US" sz="2425" dirty="0"/>
+          </a:p>
+          <a:p>
+            <a:r>
+              <a:rPr lang="en-US" sz="2425" dirty="0"/>
+              <a:t>RF: </a:t>
+            </a:r>
+            <a:r>
+              <a:rPr lang="en-US" sz="2425" dirty="0" err="1">
+                <a:latin typeface="Courier New" charset="0"/>
+                <a:ea typeface="Courier New" charset="0"/>
+                <a:cs typeface="Courier New" charset="0"/>
+              </a:rPr>
+              <a:t>randomForest</a:t>
+            </a:r>
+            <a:endParaRPr lang="en-US" sz="2425" dirty="0"/>
+          </a:p>
+          <a:p>
+            <a:r>
+              <a:rPr lang="en-US" sz="2425" dirty="0" err="1"/>
+              <a:t>GRridge</a:t>
+            </a:r>
+            <a:r>
+              <a:rPr lang="en-US" sz="2425" dirty="0"/>
+              <a:t>: </a:t>
+            </a:r>
+            <a:r>
+              <a:rPr lang="en-US" sz="2425" dirty="0" err="1">
+                <a:latin typeface="Courier New" charset="0"/>
+                <a:ea typeface="Courier New" charset="0"/>
+                <a:cs typeface="Courier New" charset="0"/>
+              </a:rPr>
+              <a:t>GRridge</a:t>
+            </a:r>
+            <a:endParaRPr lang="en-US" sz="2425" dirty="0"/>
+          </a:p>
+        </p:txBody>
+      </p:sp>
+      <p:sp>
+        <p:nvSpPr>
+          <p:cNvPr id="38" name="TextBox 37"/>
+          <p:cNvSpPr txBox="1"/>
+          <p:nvPr/>
+        </p:nvSpPr>
+        <p:spPr>
+          <a:xfrm>
+            <a:off x="13736767" y="6317491"/>
+            <a:ext cx="2790853" cy="1599862"/>
+          </a:xfrm>
+          <a:prstGeom prst="rect">
+            <a:avLst/>
+          </a:prstGeom>
+          <a:noFill/>
+          <a:ln>
+            <a:noFill/>
+          </a:ln>
+        </p:spPr>
+        <p:txBody>
+          <a:bodyPr wrap="square" rtlCol="0">
+            <a:spAutoFit/>
+          </a:bodyPr>
+          <a:lstStyle/>
+          <a:p>
+            <a:r>
+              <a:rPr lang="en-US" sz="2231" dirty="0" err="1"/>
+              <a:t>GELnet</a:t>
+            </a:r>
+            <a:r>
+              <a:rPr lang="en-US" sz="2231" dirty="0"/>
+              <a:t>: </a:t>
+            </a:r>
+            <a:r>
+              <a:rPr lang="en-US" sz="2231" dirty="0" err="1">
+                <a:latin typeface="Courier New" charset="0"/>
+                <a:ea typeface="Courier New" charset="0"/>
+                <a:cs typeface="Courier New" charset="0"/>
+              </a:rPr>
+              <a:t>gelnet</a:t>
+            </a:r>
+            <a:endParaRPr lang="en-US" sz="2231" dirty="0"/>
+          </a:p>
+          <a:p>
+            <a:r>
+              <a:rPr lang="en-US" sz="2231" dirty="0" err="1"/>
+              <a:t>stSVM</a:t>
+            </a:r>
+            <a:r>
+              <a:rPr lang="en-US" sz="2231" dirty="0"/>
+              <a:t>: </a:t>
+            </a:r>
+            <a:r>
+              <a:rPr lang="en-US" sz="2231" dirty="0" err="1">
+                <a:latin typeface="Courier New" charset="0"/>
+                <a:ea typeface="Courier New" charset="0"/>
+                <a:cs typeface="Courier New" charset="0"/>
+              </a:rPr>
+              <a:t>netClass</a:t>
+            </a:r>
+            <a:endParaRPr lang="en-US" sz="2231" dirty="0">
+              <a:latin typeface="Courier New" charset="0"/>
+              <a:ea typeface="Courier New" charset="0"/>
+              <a:cs typeface="Courier New" charset="0"/>
+            </a:endParaRPr>
+          </a:p>
+          <a:p>
+            <a:endParaRPr lang="en-US" sz="873" dirty="0"/>
+          </a:p>
+          <a:p>
+            <a:r>
+              <a:rPr lang="en-US" sz="2231" dirty="0" err="1"/>
+              <a:t>glmnet</a:t>
+            </a:r>
+            <a:r>
+              <a:rPr lang="en-US" sz="2231" dirty="0"/>
+              <a:t>: </a:t>
+            </a:r>
+            <a:r>
+              <a:rPr lang="en-US" sz="2231" dirty="0" err="1">
+                <a:latin typeface="Courier New" charset="0"/>
+                <a:ea typeface="Courier New" charset="0"/>
+                <a:cs typeface="Courier New" charset="0"/>
+              </a:rPr>
+              <a:t>glmnet</a:t>
+            </a:r>
+            <a:endParaRPr lang="en-US" sz="2231" dirty="0"/>
+          </a:p>
+          <a:p>
+            <a:r>
+              <a:rPr lang="en-US" sz="2231" dirty="0" err="1"/>
+              <a:t>sPLSDA</a:t>
+            </a:r>
+            <a:r>
+              <a:rPr lang="en-US" sz="2231" dirty="0"/>
+              <a:t>: </a:t>
+            </a:r>
+            <a:r>
+              <a:rPr lang="en-US" sz="2231" dirty="0" err="1">
+                <a:latin typeface="Courier New" charset="0"/>
+                <a:ea typeface="Courier New" charset="0"/>
+                <a:cs typeface="Courier New" charset="0"/>
+              </a:rPr>
+              <a:t>mixOmics</a:t>
+            </a:r>
+            <a:endParaRPr lang="en-US" sz="2231" dirty="0">
+              <a:latin typeface="Courier New" charset="0"/>
+              <a:ea typeface="Courier New" charset="0"/>
+              <a:cs typeface="Courier New" charset="0"/>
+            </a:endParaRPr>
+          </a:p>
+        </p:txBody>
+      </p:sp>
+      <p:sp>
+        <p:nvSpPr>
+          <p:cNvPr id="2" name="Oval 1"/>
           <p:cNvSpPr/>
           <p:nvPr/>
         </p:nvSpPr>
         <p:spPr>
           <a:xfrm>
-            <a:off x="14663516" y="1283952"/>
-            <a:ext cx="3077417" cy="1518455"/>
+            <a:off x="10667414" y="7858757"/>
+            <a:ext cx="5467767" cy="1496357"/>
+          </a:xfrm>
+          <a:prstGeom prst="ellipse">
+            <a:avLst/>
+          </a:prstGeom>
+        </p:spPr>
+        <p:style>
+          <a:lnRef idx="1">
+            <a:schemeClr val="accent4"/>
+          </a:lnRef>
+          <a:fillRef idx="2">
+            <a:schemeClr val="accent4"/>
+          </a:fillRef>
+          <a:effectRef idx="1">
+            <a:schemeClr val="accent4"/>
+          </a:effectRef>
+          <a:fontRef idx="minor">
+            <a:schemeClr val="dk1"/>
+          </a:fontRef>
+        </p:style>
+        <p:txBody>
+          <a:bodyPr rot="0" spcFirstLastPara="0" vertOverflow="overflow" horzOverflow="overflow" vert="horz" wrap="square" lIns="88678" tIns="44339" rIns="88678" bIns="44339" numCol="1" spcCol="0" rtlCol="0" fromWordArt="0" anchor="ctr" anchorCtr="0" forceAA="0" compatLnSpc="1">
+            <a:prstTxWarp prst="textNoShape">
+              <a:avLst/>
+            </a:prstTxWarp>
+            <a:noAutofit/>
+          </a:bodyPr>
+          <a:lstStyle/>
+          <a:p>
+            <a:pPr algn="ctr"/>
+            <a:r>
+              <a:rPr lang="en-US" sz="2715" b="1" dirty="0"/>
+              <a:t>Multi-step approaches</a:t>
+            </a:r>
+          </a:p>
+          <a:p>
+            <a:pPr algn="ctr"/>
+            <a:r>
+              <a:rPr lang="en-US" sz="2715" dirty="0"/>
+              <a:t>Concatenation/Ensemble</a:t>
+            </a:r>
+          </a:p>
+          <a:p>
+            <a:pPr algn="ctr"/>
+            <a:r>
+              <a:rPr lang="en-US" sz="2231" dirty="0">
+                <a:latin typeface="Courier New" charset="0"/>
+                <a:ea typeface="Courier New" charset="0"/>
+                <a:cs typeface="Courier New" charset="0"/>
+              </a:rPr>
+              <a:t>caret, </a:t>
+            </a:r>
+            <a:r>
+              <a:rPr lang="en-US" sz="2231" dirty="0" err="1">
+                <a:latin typeface="Courier New" charset="0"/>
+                <a:ea typeface="Courier New" charset="0"/>
+                <a:cs typeface="Courier New" charset="0"/>
+              </a:rPr>
+              <a:t>caretEnsemble</a:t>
+            </a:r>
+            <a:endParaRPr lang="en-US" sz="2231" dirty="0">
+              <a:latin typeface="Courier New" charset="0"/>
+              <a:ea typeface="Courier New" charset="0"/>
+              <a:cs typeface="Courier New" charset="0"/>
+            </a:endParaRPr>
+          </a:p>
+        </p:txBody>
+      </p:sp>
+      <p:cxnSp>
+        <p:nvCxnSpPr>
+          <p:cNvPr id="5" name="Straight Connector 4"/>
+          <p:cNvCxnSpPr/>
+          <p:nvPr/>
+        </p:nvCxnSpPr>
+        <p:spPr>
+          <a:xfrm flipH="1">
+            <a:off x="8169977" y="4772726"/>
+            <a:ext cx="8357641" cy="0"/>
+          </a:xfrm>
+          <a:prstGeom prst="line">
+            <a:avLst/>
+          </a:prstGeom>
+          <a:ln w="76200">
+            <a:solidFill>
+              <a:srgbClr val="C00000"/>
+            </a:solidFill>
+          </a:ln>
+        </p:spPr>
+        <p:style>
+          <a:lnRef idx="1">
+            <a:schemeClr val="accent1"/>
+          </a:lnRef>
+          <a:fillRef idx="0">
+            <a:schemeClr val="accent1"/>
+          </a:fillRef>
+          <a:effectRef idx="0">
+            <a:schemeClr val="accent1"/>
+          </a:effectRef>
+          <a:fontRef idx="minor">
+            <a:schemeClr val="tx1"/>
+          </a:fontRef>
+        </p:style>
+      </p:cxnSp>
+      <p:cxnSp>
+        <p:nvCxnSpPr>
+          <p:cNvPr id="41" name="Straight Connector 40"/>
+          <p:cNvCxnSpPr/>
+          <p:nvPr/>
+        </p:nvCxnSpPr>
+        <p:spPr>
+          <a:xfrm flipH="1">
+            <a:off x="13420823" y="7099371"/>
+            <a:ext cx="3106795" cy="1"/>
+          </a:xfrm>
+          <a:prstGeom prst="line">
+            <a:avLst/>
+          </a:prstGeom>
+          <a:ln w="76200">
+            <a:solidFill>
+              <a:srgbClr val="C00000"/>
+            </a:solidFill>
+          </a:ln>
+        </p:spPr>
+        <p:style>
+          <a:lnRef idx="1">
+            <a:schemeClr val="accent1"/>
+          </a:lnRef>
+          <a:fillRef idx="0">
+            <a:schemeClr val="accent1"/>
+          </a:fillRef>
+          <a:effectRef idx="0">
+            <a:schemeClr val="accent1"/>
+          </a:effectRef>
+          <a:fontRef idx="minor">
+            <a:schemeClr val="tx1"/>
+          </a:fontRef>
+        </p:style>
+      </p:cxnSp>
+      <p:cxnSp>
+        <p:nvCxnSpPr>
+          <p:cNvPr id="43" name="Straight Connector 42"/>
+          <p:cNvCxnSpPr/>
+          <p:nvPr/>
+        </p:nvCxnSpPr>
+        <p:spPr>
+          <a:xfrm flipV="1">
+            <a:off x="16499449" y="4772727"/>
+            <a:ext cx="0" cy="2326643"/>
+          </a:xfrm>
+          <a:prstGeom prst="line">
+            <a:avLst/>
+          </a:prstGeom>
+          <a:ln w="76200">
+            <a:solidFill>
+              <a:srgbClr val="C00000"/>
+            </a:solidFill>
+          </a:ln>
+        </p:spPr>
+        <p:style>
+          <a:lnRef idx="1">
+            <a:schemeClr val="accent1"/>
+          </a:lnRef>
+          <a:fillRef idx="0">
+            <a:schemeClr val="accent1"/>
+          </a:fillRef>
+          <a:effectRef idx="0">
+            <a:schemeClr val="accent1"/>
+          </a:effectRef>
+          <a:fontRef idx="minor">
+            <a:schemeClr val="tx1"/>
+          </a:fontRef>
+        </p:style>
+      </p:cxnSp>
+      <p:cxnSp>
+        <p:nvCxnSpPr>
+          <p:cNvPr id="47" name="Straight Connector 46"/>
+          <p:cNvCxnSpPr/>
+          <p:nvPr/>
+        </p:nvCxnSpPr>
+        <p:spPr>
+          <a:xfrm flipH="1">
+            <a:off x="9865414" y="6076798"/>
+            <a:ext cx="3555411" cy="0"/>
+          </a:xfrm>
+          <a:prstGeom prst="line">
+            <a:avLst/>
+          </a:prstGeom>
+          <a:ln w="76200">
+            <a:solidFill>
+              <a:srgbClr val="C00000"/>
+            </a:solidFill>
+          </a:ln>
+        </p:spPr>
+        <p:style>
+          <a:lnRef idx="1">
+            <a:schemeClr val="accent1"/>
+          </a:lnRef>
+          <a:fillRef idx="0">
+            <a:schemeClr val="accent1"/>
+          </a:fillRef>
+          <a:effectRef idx="0">
+            <a:schemeClr val="accent1"/>
+          </a:effectRef>
+          <a:fontRef idx="minor">
+            <a:schemeClr val="tx1"/>
+          </a:fontRef>
+        </p:style>
+      </p:cxnSp>
+      <p:cxnSp>
+        <p:nvCxnSpPr>
+          <p:cNvPr id="48" name="Straight Connector 47"/>
+          <p:cNvCxnSpPr/>
+          <p:nvPr/>
+        </p:nvCxnSpPr>
+        <p:spPr>
+          <a:xfrm flipV="1">
+            <a:off x="13420822" y="6076799"/>
+            <a:ext cx="0" cy="1022571"/>
+          </a:xfrm>
+          <a:prstGeom prst="line">
+            <a:avLst/>
+          </a:prstGeom>
+          <a:ln w="76200">
+            <a:solidFill>
+              <a:srgbClr val="C00000"/>
+            </a:solidFill>
+          </a:ln>
+        </p:spPr>
+        <p:style>
+          <a:lnRef idx="1">
+            <a:schemeClr val="accent1"/>
+          </a:lnRef>
+          <a:fillRef idx="0">
+            <a:schemeClr val="accent1"/>
+          </a:fillRef>
+          <a:effectRef idx="0">
+            <a:schemeClr val="accent1"/>
+          </a:effectRef>
+          <a:fontRef idx="minor">
+            <a:schemeClr val="tx1"/>
+          </a:fontRef>
+        </p:style>
+      </p:cxnSp>
+      <p:cxnSp>
+        <p:nvCxnSpPr>
+          <p:cNvPr id="51" name="Straight Connector 50"/>
+          <p:cNvCxnSpPr/>
+          <p:nvPr/>
+        </p:nvCxnSpPr>
+        <p:spPr>
+          <a:xfrm flipH="1" flipV="1">
+            <a:off x="9868975" y="6076801"/>
+            <a:ext cx="230" cy="4914761"/>
+          </a:xfrm>
+          <a:prstGeom prst="line">
+            <a:avLst/>
+          </a:prstGeom>
+          <a:ln w="76200">
+            <a:solidFill>
+              <a:srgbClr val="C00000"/>
+            </a:solidFill>
+          </a:ln>
+        </p:spPr>
+        <p:style>
+          <a:lnRef idx="1">
+            <a:schemeClr val="accent1"/>
+          </a:lnRef>
+          <a:fillRef idx="0">
+            <a:schemeClr val="accent1"/>
+          </a:fillRef>
+          <a:effectRef idx="0">
+            <a:schemeClr val="accent1"/>
+          </a:effectRef>
+          <a:fontRef idx="minor">
+            <a:schemeClr val="tx1"/>
+          </a:fontRef>
+        </p:style>
+      </p:cxnSp>
+      <p:cxnSp>
+        <p:nvCxnSpPr>
+          <p:cNvPr id="53" name="Straight Connector 52"/>
+          <p:cNvCxnSpPr/>
+          <p:nvPr/>
+        </p:nvCxnSpPr>
+        <p:spPr>
+          <a:xfrm flipV="1">
+            <a:off x="8169975" y="4758245"/>
+            <a:ext cx="0" cy="4388426"/>
+          </a:xfrm>
+          <a:prstGeom prst="line">
+            <a:avLst/>
+          </a:prstGeom>
+          <a:ln w="76200">
+            <a:solidFill>
+              <a:srgbClr val="C00000"/>
+            </a:solidFill>
+          </a:ln>
+        </p:spPr>
+        <p:style>
+          <a:lnRef idx="1">
+            <a:schemeClr val="accent1"/>
+          </a:lnRef>
+          <a:fillRef idx="0">
+            <a:schemeClr val="accent1"/>
+          </a:fillRef>
+          <a:effectRef idx="0">
+            <a:schemeClr val="accent1"/>
+          </a:effectRef>
+          <a:fontRef idx="minor">
+            <a:schemeClr val="tx1"/>
+          </a:fontRef>
+        </p:style>
+      </p:cxnSp>
+      <p:cxnSp>
+        <p:nvCxnSpPr>
+          <p:cNvPr id="56" name="Straight Connector 55"/>
+          <p:cNvCxnSpPr/>
+          <p:nvPr/>
+        </p:nvCxnSpPr>
+        <p:spPr>
+          <a:xfrm flipH="1">
+            <a:off x="5860804" y="10945939"/>
+            <a:ext cx="3952222" cy="0"/>
+          </a:xfrm>
+          <a:prstGeom prst="line">
+            <a:avLst/>
+          </a:prstGeom>
+          <a:ln w="76200">
+            <a:solidFill>
+              <a:srgbClr val="C00000"/>
+            </a:solidFill>
+          </a:ln>
+        </p:spPr>
+        <p:style>
+          <a:lnRef idx="1">
+            <a:schemeClr val="accent1"/>
+          </a:lnRef>
+          <a:fillRef idx="0">
+            <a:schemeClr val="accent1"/>
+          </a:fillRef>
+          <a:effectRef idx="0">
+            <a:schemeClr val="accent1"/>
+          </a:effectRef>
+          <a:fontRef idx="minor">
+            <a:schemeClr val="tx1"/>
+          </a:fontRef>
+        </p:style>
+      </p:cxnSp>
+      <p:cxnSp>
+        <p:nvCxnSpPr>
+          <p:cNvPr id="57" name="Straight Connector 56"/>
+          <p:cNvCxnSpPr/>
+          <p:nvPr/>
+        </p:nvCxnSpPr>
+        <p:spPr>
+          <a:xfrm flipH="1">
+            <a:off x="5816096" y="9146671"/>
+            <a:ext cx="2353879" cy="0"/>
+          </a:xfrm>
+          <a:prstGeom prst="line">
+            <a:avLst/>
+          </a:prstGeom>
+          <a:ln w="76200">
+            <a:solidFill>
+              <a:srgbClr val="C00000"/>
+            </a:solidFill>
+          </a:ln>
+        </p:spPr>
+        <p:style>
+          <a:lnRef idx="1">
+            <a:schemeClr val="accent1"/>
+          </a:lnRef>
+          <a:fillRef idx="0">
+            <a:schemeClr val="accent1"/>
+          </a:fillRef>
+          <a:effectRef idx="0">
+            <a:schemeClr val="accent1"/>
+          </a:effectRef>
+          <a:fontRef idx="minor">
+            <a:schemeClr val="tx1"/>
+          </a:fontRef>
+        </p:style>
+      </p:cxnSp>
+      <p:cxnSp>
+        <p:nvCxnSpPr>
+          <p:cNvPr id="58" name="Straight Connector 57"/>
+          <p:cNvCxnSpPr/>
+          <p:nvPr/>
+        </p:nvCxnSpPr>
+        <p:spPr>
+          <a:xfrm flipV="1">
+            <a:off x="5836165" y="9146671"/>
+            <a:ext cx="0" cy="1799268"/>
+          </a:xfrm>
+          <a:prstGeom prst="line">
+            <a:avLst/>
+          </a:prstGeom>
+          <a:ln w="76200">
+            <a:solidFill>
+              <a:srgbClr val="C00000"/>
+            </a:solidFill>
+          </a:ln>
+        </p:spPr>
+        <p:style>
+          <a:lnRef idx="1">
+            <a:schemeClr val="accent1"/>
+          </a:lnRef>
+          <a:fillRef idx="0">
+            <a:schemeClr val="accent1"/>
+          </a:fillRef>
+          <a:effectRef idx="0">
+            <a:schemeClr val="accent1"/>
+          </a:effectRef>
+          <a:fontRef idx="minor">
+            <a:schemeClr val="tx1"/>
+          </a:fontRef>
+        </p:style>
+      </p:cxnSp>
+      <p:sp>
+        <p:nvSpPr>
+          <p:cNvPr id="66" name="TextBox 65"/>
+          <p:cNvSpPr txBox="1"/>
+          <p:nvPr/>
+        </p:nvSpPr>
+        <p:spPr>
+          <a:xfrm>
+            <a:off x="13736764" y="5108511"/>
+            <a:ext cx="2357277" cy="462646"/>
+          </a:xfrm>
+          <a:prstGeom prst="rect">
+            <a:avLst/>
+          </a:prstGeom>
+          <a:noFill/>
+          <a:ln>
+            <a:noFill/>
+          </a:ln>
+        </p:spPr>
+        <p:txBody>
+          <a:bodyPr wrap="square" rtlCol="0">
+            <a:spAutoFit/>
+          </a:bodyPr>
+          <a:lstStyle/>
+          <a:p>
+            <a:pPr algn="ctr"/>
+            <a:r>
+              <a:rPr lang="en-US" sz="2425" dirty="0" err="1" smtClean="0"/>
+              <a:t>ATHENA</a:t>
+            </a:r>
+            <a:r>
+              <a:rPr lang="en-US" sz="2425" baseline="30000" dirty="0" err="1" smtClean="0"/>
+              <a:t>e</a:t>
+            </a:r>
+            <a:endParaRPr lang="en-US" sz="2425" baseline="30000" dirty="0">
+              <a:latin typeface="Courier New" charset="0"/>
+              <a:ea typeface="Courier New" charset="0"/>
+              <a:cs typeface="Courier New" charset="0"/>
+            </a:endParaRPr>
+          </a:p>
+        </p:txBody>
+      </p:sp>
+      <p:sp>
+        <p:nvSpPr>
+          <p:cNvPr id="67" name="TextBox 66"/>
+          <p:cNvSpPr txBox="1"/>
+          <p:nvPr/>
+        </p:nvSpPr>
+        <p:spPr>
+          <a:xfrm>
+            <a:off x="7860829" y="8919205"/>
+            <a:ext cx="2357277" cy="838691"/>
+          </a:xfrm>
+          <a:prstGeom prst="rect">
+            <a:avLst/>
+          </a:prstGeom>
+          <a:noFill/>
+          <a:ln>
+            <a:noFill/>
+          </a:ln>
+        </p:spPr>
+        <p:txBody>
+          <a:bodyPr wrap="square" rtlCol="0">
+            <a:spAutoFit/>
+          </a:bodyPr>
+          <a:lstStyle/>
+          <a:p>
+            <a:pPr algn="ctr"/>
+            <a:r>
+              <a:rPr lang="en-US" sz="2425" dirty="0"/>
+              <a:t>WGCNA</a:t>
+            </a:r>
+            <a:r>
+              <a:rPr lang="en-US" sz="2425"/>
+              <a:t>: </a:t>
+            </a:r>
+            <a:endParaRPr lang="en-US" sz="2425" smtClean="0"/>
+          </a:p>
+          <a:p>
+            <a:pPr algn="ctr"/>
+            <a:r>
+              <a:rPr lang="en-US" sz="2425" dirty="0" smtClean="0">
+                <a:latin typeface="Courier New" charset="0"/>
+                <a:ea typeface="Courier New" charset="0"/>
+                <a:cs typeface="Courier New" charset="0"/>
+              </a:rPr>
+              <a:t>WGCNA</a:t>
+            </a:r>
+            <a:endParaRPr lang="en-US" sz="2425" dirty="0">
+              <a:latin typeface="Courier New" charset="0"/>
+              <a:ea typeface="Courier New" charset="0"/>
+              <a:cs typeface="Courier New" charset="0"/>
+            </a:endParaRPr>
+          </a:p>
+        </p:txBody>
+      </p:sp>
+      <p:cxnSp>
+        <p:nvCxnSpPr>
+          <p:cNvPr id="68" name="Straight Connector 67"/>
+          <p:cNvCxnSpPr/>
+          <p:nvPr/>
+        </p:nvCxnSpPr>
+        <p:spPr>
+          <a:xfrm flipH="1" flipV="1">
+            <a:off x="7903682" y="4547379"/>
+            <a:ext cx="8644006" cy="24272"/>
+          </a:xfrm>
+          <a:prstGeom prst="line">
+            <a:avLst/>
+          </a:prstGeom>
+          <a:ln w="76200">
+            <a:solidFill>
+              <a:srgbClr val="7030A0"/>
+            </a:solidFill>
+          </a:ln>
+        </p:spPr>
+        <p:style>
+          <a:lnRef idx="1">
+            <a:schemeClr val="accent1"/>
+          </a:lnRef>
+          <a:fillRef idx="0">
+            <a:schemeClr val="accent1"/>
+          </a:fillRef>
+          <a:effectRef idx="0">
+            <a:schemeClr val="accent1"/>
+          </a:effectRef>
+          <a:fontRef idx="minor">
+            <a:schemeClr val="tx1"/>
+          </a:fontRef>
+        </p:style>
+      </p:cxnSp>
+      <p:cxnSp>
+        <p:nvCxnSpPr>
+          <p:cNvPr id="69" name="Straight Connector 68"/>
+          <p:cNvCxnSpPr/>
+          <p:nvPr/>
+        </p:nvCxnSpPr>
+        <p:spPr>
+          <a:xfrm flipH="1" flipV="1">
+            <a:off x="5659482" y="3032612"/>
+            <a:ext cx="10868137" cy="74656"/>
+          </a:xfrm>
+          <a:prstGeom prst="line">
+            <a:avLst/>
+          </a:prstGeom>
+          <a:ln w="76200">
+            <a:solidFill>
+              <a:srgbClr val="7030A0"/>
+            </a:solidFill>
+          </a:ln>
+        </p:spPr>
+        <p:style>
+          <a:lnRef idx="1">
+            <a:schemeClr val="accent1"/>
+          </a:lnRef>
+          <a:fillRef idx="0">
+            <a:schemeClr val="accent1"/>
+          </a:fillRef>
+          <a:effectRef idx="0">
+            <a:schemeClr val="accent1"/>
+          </a:effectRef>
+          <a:fontRef idx="minor">
+            <a:schemeClr val="tx1"/>
+          </a:fontRef>
+        </p:style>
+      </p:cxnSp>
+      <p:cxnSp>
+        <p:nvCxnSpPr>
+          <p:cNvPr id="72" name="Straight Connector 71"/>
+          <p:cNvCxnSpPr/>
+          <p:nvPr/>
+        </p:nvCxnSpPr>
+        <p:spPr>
+          <a:xfrm flipH="1" flipV="1">
+            <a:off x="7903683" y="4591930"/>
+            <a:ext cx="27499" cy="5231553"/>
+          </a:xfrm>
+          <a:prstGeom prst="line">
+            <a:avLst/>
+          </a:prstGeom>
+          <a:ln w="76200">
+            <a:solidFill>
+              <a:srgbClr val="7030A0"/>
+            </a:solidFill>
+          </a:ln>
+        </p:spPr>
+        <p:style>
+          <a:lnRef idx="1">
+            <a:schemeClr val="accent1"/>
+          </a:lnRef>
+          <a:fillRef idx="0">
+            <a:schemeClr val="accent1"/>
+          </a:fillRef>
+          <a:effectRef idx="0">
+            <a:schemeClr val="accent1"/>
+          </a:effectRef>
+          <a:fontRef idx="minor">
+            <a:schemeClr val="tx1"/>
+          </a:fontRef>
+        </p:style>
+      </p:cxnSp>
+      <p:cxnSp>
+        <p:nvCxnSpPr>
+          <p:cNvPr id="86" name="Straight Connector 85"/>
+          <p:cNvCxnSpPr/>
+          <p:nvPr/>
+        </p:nvCxnSpPr>
+        <p:spPr>
+          <a:xfrm flipV="1">
+            <a:off x="5644383" y="3008709"/>
+            <a:ext cx="9321" cy="3841208"/>
+          </a:xfrm>
+          <a:prstGeom prst="line">
+            <a:avLst/>
+          </a:prstGeom>
+          <a:ln w="76200">
+            <a:solidFill>
+              <a:srgbClr val="7030A0"/>
+            </a:solidFill>
+          </a:ln>
+        </p:spPr>
+        <p:style>
+          <a:lnRef idx="1">
+            <a:schemeClr val="accent1"/>
+          </a:lnRef>
+          <a:fillRef idx="0">
+            <a:schemeClr val="accent1"/>
+          </a:fillRef>
+          <a:effectRef idx="0">
+            <a:schemeClr val="accent1"/>
+          </a:effectRef>
+          <a:fontRef idx="minor">
+            <a:schemeClr val="tx1"/>
+          </a:fontRef>
+        </p:style>
+      </p:cxnSp>
+      <p:cxnSp>
+        <p:nvCxnSpPr>
+          <p:cNvPr id="88" name="Straight Connector 87"/>
+          <p:cNvCxnSpPr/>
+          <p:nvPr/>
+        </p:nvCxnSpPr>
+        <p:spPr>
+          <a:xfrm flipH="1" flipV="1">
+            <a:off x="5655160" y="9772425"/>
+            <a:ext cx="2310064" cy="6932"/>
+          </a:xfrm>
+          <a:prstGeom prst="line">
+            <a:avLst/>
+          </a:prstGeom>
+          <a:ln w="76200">
+            <a:solidFill>
+              <a:srgbClr val="7030A0"/>
+            </a:solidFill>
+          </a:ln>
+        </p:spPr>
+        <p:style>
+          <a:lnRef idx="1">
+            <a:schemeClr val="accent1"/>
+          </a:lnRef>
+          <a:fillRef idx="0">
+            <a:schemeClr val="accent1"/>
+          </a:fillRef>
+          <a:effectRef idx="0">
+            <a:schemeClr val="accent1"/>
+          </a:effectRef>
+          <a:fontRef idx="minor">
+            <a:schemeClr val="tx1"/>
+          </a:fontRef>
+        </p:style>
+      </p:cxnSp>
+      <p:cxnSp>
+        <p:nvCxnSpPr>
+          <p:cNvPr id="89" name="Straight Connector 88"/>
+          <p:cNvCxnSpPr/>
+          <p:nvPr/>
+        </p:nvCxnSpPr>
+        <p:spPr>
+          <a:xfrm flipH="1" flipV="1">
+            <a:off x="5644690" y="8311135"/>
+            <a:ext cx="3326" cy="1469444"/>
+          </a:xfrm>
+          <a:prstGeom prst="line">
+            <a:avLst/>
+          </a:prstGeom>
+          <a:ln w="76200">
+            <a:solidFill>
+              <a:srgbClr val="7030A0"/>
+            </a:solidFill>
+          </a:ln>
+        </p:spPr>
+        <p:style>
+          <a:lnRef idx="1">
+            <a:schemeClr val="accent1"/>
+          </a:lnRef>
+          <a:fillRef idx="0">
+            <a:schemeClr val="accent1"/>
+          </a:fillRef>
+          <a:effectRef idx="0">
+            <a:schemeClr val="accent1"/>
+          </a:effectRef>
+          <a:fontRef idx="minor">
+            <a:schemeClr val="tx1"/>
+          </a:fontRef>
+        </p:style>
+      </p:cxnSp>
+      <p:sp>
+        <p:nvSpPr>
+          <p:cNvPr id="52" name="Block Arc 51"/>
+          <p:cNvSpPr/>
+          <p:nvPr/>
+        </p:nvSpPr>
+        <p:spPr>
+          <a:xfrm rot="16200000">
+            <a:off x="4941861" y="5202135"/>
+            <a:ext cx="1461215" cy="4756781"/>
+          </a:xfrm>
+          <a:prstGeom prst="blockArc">
+            <a:avLst>
+              <a:gd name="adj1" fmla="val 10800000"/>
+              <a:gd name="adj2" fmla="val 21558566"/>
+              <a:gd name="adj3" fmla="val 2500"/>
+            </a:avLst>
+          </a:prstGeom>
+          <a:ln>
+            <a:solidFill>
+              <a:srgbClr val="7030A0"/>
+            </a:solidFill>
+          </a:ln>
+        </p:spPr>
+        <p:style>
+          <a:lnRef idx="2">
+            <a:schemeClr val="accent1">
+              <a:shade val="50000"/>
+            </a:schemeClr>
+          </a:lnRef>
+          <a:fillRef idx="1">
+            <a:schemeClr val="accent1"/>
+          </a:fillRef>
+          <a:effectRef idx="0">
+            <a:schemeClr val="accent1"/>
+          </a:effectRef>
+          <a:fontRef idx="minor">
+            <a:schemeClr val="lt1"/>
+          </a:fontRef>
+        </p:style>
+        <p:txBody>
+          <a:bodyPr rot="0" spcFirstLastPara="0" vertOverflow="overflow" horzOverflow="overflow" vert="horz" wrap="square" lIns="88678" tIns="44339" rIns="88678" bIns="44339" numCol="1" spcCol="0" rtlCol="0" fromWordArt="0" anchor="ctr" anchorCtr="0" forceAA="0" compatLnSpc="1">
+            <a:prstTxWarp prst="textNoShape">
+              <a:avLst/>
+            </a:prstTxWarp>
+            <a:noAutofit/>
+          </a:bodyPr>
+          <a:lstStyle/>
+          <a:p>
+            <a:pPr algn="ctr"/>
+            <a:endParaRPr lang="en-US" sz="2611">
+              <a:solidFill>
+                <a:schemeClr val="tx1"/>
+              </a:solidFill>
+            </a:endParaRPr>
+          </a:p>
+        </p:txBody>
+      </p:sp>
+      <p:cxnSp>
+        <p:nvCxnSpPr>
+          <p:cNvPr id="90" name="Straight Connector 89"/>
+          <p:cNvCxnSpPr/>
+          <p:nvPr/>
+        </p:nvCxnSpPr>
+        <p:spPr>
+          <a:xfrm flipV="1">
+            <a:off x="16499450" y="3094104"/>
+            <a:ext cx="2339" cy="1497824"/>
+          </a:xfrm>
+          <a:prstGeom prst="line">
+            <a:avLst/>
+          </a:prstGeom>
+          <a:ln w="76200">
+            <a:solidFill>
+              <a:srgbClr val="7030A0"/>
+            </a:solidFill>
+          </a:ln>
+        </p:spPr>
+        <p:style>
+          <a:lnRef idx="1">
+            <a:schemeClr val="accent1"/>
+          </a:lnRef>
+          <a:fillRef idx="0">
+            <a:schemeClr val="accent1"/>
+          </a:fillRef>
+          <a:effectRef idx="0">
+            <a:schemeClr val="accent1"/>
+          </a:effectRef>
+          <a:fontRef idx="minor">
+            <a:schemeClr val="tx1"/>
+          </a:fontRef>
+        </p:style>
+      </p:cxnSp>
+      <p:sp>
+        <p:nvSpPr>
+          <p:cNvPr id="94" name="Rounded Rectangle 93"/>
+          <p:cNvSpPr/>
+          <p:nvPr/>
+        </p:nvSpPr>
+        <p:spPr>
+          <a:xfrm>
+            <a:off x="8373783" y="4994161"/>
+            <a:ext cx="4400250" cy="726964"/>
           </a:xfrm>
           <a:prstGeom prst="roundRect">
+            <a:avLst/>
+          </a:prstGeom>
+          <a:solidFill>
+            <a:srgbClr val="C00000"/>
+          </a:solidFill>
+          <a:ln>
+            <a:solidFill>
+              <a:srgbClr val="C00000"/>
+            </a:solidFill>
+          </a:ln>
+        </p:spPr>
+        <p:style>
+          <a:lnRef idx="2">
+            <a:schemeClr val="accent1">
+              <a:shade val="50000"/>
+            </a:schemeClr>
+          </a:lnRef>
+          <a:fillRef idx="1">
+            <a:schemeClr val="accent1"/>
+          </a:fillRef>
+          <a:effectRef idx="0">
+            <a:schemeClr val="accent1"/>
+          </a:effectRef>
+          <a:fontRef idx="minor">
+            <a:schemeClr val="lt1"/>
+          </a:fontRef>
+        </p:style>
+        <p:txBody>
+          <a:bodyPr rot="0" spcFirstLastPara="0" vertOverflow="overflow" horzOverflow="overflow" vert="horz" wrap="square" lIns="88678" tIns="44339" rIns="88678" bIns="44339" numCol="1" spcCol="0" rtlCol="0" fromWordArt="0" anchor="ctr" anchorCtr="0" forceAA="0" compatLnSpc="1">
+            <a:prstTxWarp prst="textNoShape">
+              <a:avLst/>
+            </a:prstTxWarp>
+            <a:noAutofit/>
+          </a:bodyPr>
+          <a:lstStyle/>
+          <a:p>
+            <a:pPr algn="ctr"/>
+            <a:r>
+              <a:rPr lang="en-US" sz="3394" b="1"/>
+              <a:t>Network-based</a:t>
+            </a:r>
+          </a:p>
+        </p:txBody>
+      </p:sp>
+      <p:sp>
+        <p:nvSpPr>
+          <p:cNvPr id="95" name="Rounded Rectangle 94"/>
+          <p:cNvSpPr/>
+          <p:nvPr/>
+        </p:nvSpPr>
+        <p:spPr>
+          <a:xfrm>
+            <a:off x="5860804" y="3414544"/>
+            <a:ext cx="6913233" cy="711603"/>
+          </a:xfrm>
+          <a:prstGeom prst="roundRect">
+            <a:avLst/>
+          </a:prstGeom>
+          <a:solidFill>
+            <a:srgbClr val="7030A0"/>
+          </a:solidFill>
+          <a:ln>
+            <a:solidFill>
+              <a:srgbClr val="7030A0"/>
+            </a:solidFill>
+          </a:ln>
+        </p:spPr>
+        <p:style>
+          <a:lnRef idx="2">
+            <a:schemeClr val="accent1">
+              <a:shade val="50000"/>
+            </a:schemeClr>
+          </a:lnRef>
+          <a:fillRef idx="1">
+            <a:schemeClr val="accent1"/>
+          </a:fillRef>
+          <a:effectRef idx="0">
+            <a:schemeClr val="accent1"/>
+          </a:effectRef>
+          <a:fontRef idx="minor">
+            <a:schemeClr val="lt1"/>
+          </a:fontRef>
+        </p:style>
+        <p:txBody>
+          <a:bodyPr rot="0" spcFirstLastPara="0" vertOverflow="overflow" horzOverflow="overflow" vert="horz" wrap="square" lIns="88678" tIns="44339" rIns="88678" bIns="44339" numCol="1" spcCol="0" rtlCol="0" fromWordArt="0" anchor="ctr" anchorCtr="0" forceAA="0" compatLnSpc="1">
+            <a:prstTxWarp prst="textNoShape">
+              <a:avLst/>
+            </a:prstTxWarp>
+            <a:noAutofit/>
+          </a:bodyPr>
+          <a:lstStyle/>
+          <a:p>
+            <a:pPr algn="ctr"/>
+            <a:r>
+              <a:rPr lang="en-US" sz="3394" b="1" dirty="0"/>
+              <a:t>Bayesian</a:t>
+            </a:r>
+          </a:p>
+        </p:txBody>
+      </p:sp>
+      <p:sp>
+        <p:nvSpPr>
+          <p:cNvPr id="96" name="Rounded Rectangle 95"/>
+          <p:cNvSpPr/>
+          <p:nvPr/>
+        </p:nvSpPr>
+        <p:spPr>
+          <a:xfrm>
+            <a:off x="5836165" y="1798708"/>
+            <a:ext cx="6937869" cy="540279"/>
+          </a:xfrm>
+          <a:prstGeom prst="roundRect">
+            <a:avLst/>
+          </a:prstGeom>
+          <a:solidFill>
+            <a:schemeClr val="accent6">
+              <a:lumMod val="50000"/>
+            </a:schemeClr>
+          </a:solidFill>
+          <a:ln>
+            <a:solidFill>
+              <a:schemeClr val="accent6">
+                <a:lumMod val="50000"/>
+              </a:schemeClr>
+            </a:solidFill>
+          </a:ln>
+        </p:spPr>
+        <p:style>
+          <a:lnRef idx="2">
+            <a:schemeClr val="accent1">
+              <a:shade val="50000"/>
+            </a:schemeClr>
+          </a:lnRef>
+          <a:fillRef idx="1">
+            <a:schemeClr val="accent1"/>
+          </a:fillRef>
+          <a:effectRef idx="0">
+            <a:schemeClr val="accent1"/>
+          </a:effectRef>
+          <a:fontRef idx="minor">
+            <a:schemeClr val="lt1"/>
+          </a:fontRef>
+        </p:style>
+        <p:txBody>
+          <a:bodyPr rot="0" spcFirstLastPara="0" vertOverflow="overflow" horzOverflow="overflow" vert="horz" wrap="square" lIns="88678" tIns="44339" rIns="88678" bIns="44339" numCol="1" spcCol="0" rtlCol="0" fromWordArt="0" anchor="ctr" anchorCtr="0" forceAA="0" compatLnSpc="1">
+            <a:prstTxWarp prst="textNoShape">
+              <a:avLst/>
+            </a:prstTxWarp>
+            <a:noAutofit/>
+          </a:bodyPr>
+          <a:lstStyle/>
+          <a:p>
+            <a:pPr algn="ctr"/>
+            <a:r>
+              <a:rPr lang="en-US" sz="3394" b="1"/>
+              <a:t>Component-based</a:t>
+            </a:r>
+            <a:endParaRPr lang="en-US" sz="3394" dirty="0"/>
+          </a:p>
+        </p:txBody>
+      </p:sp>
+      <p:sp>
+        <p:nvSpPr>
+          <p:cNvPr id="12" name="Oval 11"/>
+          <p:cNvSpPr/>
+          <p:nvPr/>
+        </p:nvSpPr>
+        <p:spPr>
+          <a:xfrm>
+            <a:off x="6385967" y="6512988"/>
+            <a:ext cx="2949724" cy="994600"/>
+          </a:xfrm>
+          <a:prstGeom prst="ellipse">
             <a:avLst/>
           </a:prstGeom>
           <a:solidFill>
@@ -3820,7 +5520,7 @@
           </a:solidFill>
           <a:ln w="76200">
             <a:solidFill>
-              <a:srgbClr val="FFC000"/>
+              <a:srgbClr val="7030A0"/>
             </a:solidFill>
           </a:ln>
         </p:spPr>
@@ -3845,980 +5545,26 @@
           <a:lstStyle/>
           <a:p>
             <a:pPr algn="ctr"/>
-            <a:endParaRPr lang="en-US"/>
-          </a:p>
-        </p:txBody>
-      </p:sp>
-      <p:sp>
-        <p:nvSpPr>
-          <p:cNvPr id="70" name="Rectangle 69"/>
-          <p:cNvSpPr/>
-          <p:nvPr/>
-        </p:nvSpPr>
-        <p:spPr>
-          <a:xfrm>
-            <a:off x="9001283" y="1486927"/>
-            <a:ext cx="5128468" cy="532453"/>
-          </a:xfrm>
-          <a:prstGeom prst="rect">
-            <a:avLst/>
-          </a:prstGeom>
-        </p:spPr>
-        <p:txBody>
-          <a:bodyPr wrap="square">
-            <a:spAutoFit/>
-          </a:bodyPr>
-          <a:lstStyle/>
-          <a:p>
-            <a:pPr algn="ctr"/>
-            <a:r>
-              <a:rPr lang="en-US" b="1" dirty="0"/>
-              <a:t>Component-based methods</a:t>
-            </a:r>
-          </a:p>
-        </p:txBody>
-      </p:sp>
-      <p:sp>
-        <p:nvSpPr>
-          <p:cNvPr id="71" name="TextBox 70"/>
-          <p:cNvSpPr txBox="1"/>
-          <p:nvPr/>
-        </p:nvSpPr>
-        <p:spPr>
-          <a:xfrm>
-            <a:off x="7320472" y="2019380"/>
-            <a:ext cx="3396956" cy="2246769"/>
-          </a:xfrm>
-          <a:prstGeom prst="rect">
-            <a:avLst/>
-          </a:prstGeom>
-          <a:noFill/>
-          <a:ln>
-            <a:noFill/>
-          </a:ln>
-        </p:spPr>
-        <p:txBody>
-          <a:bodyPr wrap="square" rtlCol="0">
-            <a:spAutoFit/>
-          </a:bodyPr>
-          <a:lstStyle/>
-          <a:p>
-            <a:pPr algn="ctr"/>
-            <a:r>
-              <a:rPr lang="en-US" sz="2000" dirty="0" err="1"/>
-              <a:t>s</a:t>
-            </a:r>
-            <a:r>
-              <a:rPr lang="en-US" sz="2000" dirty="0" err="1" smtClean="0"/>
-              <a:t>GCCA</a:t>
-            </a:r>
-            <a:r>
-              <a:rPr lang="en-US" sz="2000" dirty="0"/>
-              <a:t>: </a:t>
-            </a:r>
-            <a:r>
-              <a:rPr lang="en-US" sz="2000" dirty="0">
-                <a:latin typeface="Courier New" charset="0"/>
-                <a:ea typeface="Courier New" charset="0"/>
-                <a:cs typeface="Courier New" charset="0"/>
+            <a:r>
+              <a:rPr lang="en-US" dirty="0" err="1" smtClean="0">
+                <a:solidFill>
+                  <a:schemeClr val="tx1"/>
+                </a:solidFill>
               </a:rPr>
-              <a:t>RGCCA/</a:t>
-            </a:r>
-            <a:r>
-              <a:rPr lang="en-US" sz="2000" dirty="0" err="1">
-                <a:latin typeface="Courier New" charset="0"/>
-                <a:ea typeface="Courier New" charset="0"/>
-                <a:cs typeface="Courier New" charset="0"/>
+              <a:t>CONEXIC</a:t>
+            </a:r>
+            <a:r>
+              <a:rPr lang="en-US" baseline="30000" dirty="0" err="1" smtClean="0">
+                <a:solidFill>
+                  <a:schemeClr val="tx1"/>
+                </a:solidFill>
               </a:rPr>
-              <a:t>mixOmics</a:t>
-            </a:r>
-            <a:endParaRPr lang="en-US" sz="2000" dirty="0">
-              <a:latin typeface="Courier New" charset="0"/>
-              <a:ea typeface="Courier New" charset="0"/>
-              <a:cs typeface="Courier New" charset="0"/>
-            </a:endParaRPr>
-          </a:p>
-          <a:p>
-            <a:pPr algn="ctr"/>
-            <a:r>
-              <a:rPr lang="en-US" sz="2000" dirty="0"/>
-              <a:t>JIVE: </a:t>
-            </a:r>
-            <a:r>
-              <a:rPr lang="en-US" sz="2000" dirty="0" err="1" smtClean="0">
-                <a:latin typeface="Courier New" charset="0"/>
-                <a:ea typeface="Courier New" charset="0"/>
-                <a:cs typeface="Courier New" charset="0"/>
-              </a:rPr>
-              <a:t>r.jive</a:t>
-            </a:r>
-            <a:endParaRPr lang="en-US" sz="2000" dirty="0" smtClean="0">
-              <a:latin typeface="Courier New" charset="0"/>
-              <a:ea typeface="Courier New" charset="0"/>
-              <a:cs typeface="Courier New" charset="0"/>
-            </a:endParaRPr>
-          </a:p>
-          <a:p>
-            <a:pPr algn="ctr"/>
-            <a:r>
-              <a:rPr lang="en-US" sz="2000" dirty="0" err="1" smtClean="0"/>
-              <a:t>iCluster</a:t>
-            </a:r>
-            <a:r>
-              <a:rPr lang="en-US" sz="2000" dirty="0" smtClean="0"/>
-              <a:t>+: </a:t>
-            </a:r>
-            <a:r>
-              <a:rPr lang="en-US" sz="2000" dirty="0" err="1" smtClean="0">
-                <a:latin typeface="Courier New" charset="0"/>
-                <a:ea typeface="Courier New" charset="0"/>
-                <a:cs typeface="Courier New" charset="0"/>
-              </a:rPr>
-              <a:t>iClusterPlus</a:t>
-            </a:r>
-            <a:endParaRPr lang="en-US" sz="2000" dirty="0" smtClean="0">
-              <a:latin typeface="Courier New" charset="0"/>
-              <a:ea typeface="Courier New" charset="0"/>
-              <a:cs typeface="Courier New" charset="0"/>
-            </a:endParaRPr>
-          </a:p>
-          <a:p>
-            <a:pPr algn="ctr"/>
-            <a:r>
-              <a:rPr lang="en-US" sz="2000" dirty="0" smtClean="0"/>
-              <a:t>MFA: </a:t>
-            </a:r>
-            <a:r>
-              <a:rPr lang="en-US" sz="2000" dirty="0" err="1" smtClean="0">
-                <a:latin typeface="Courier New" charset="0"/>
-                <a:ea typeface="Courier New" charset="0"/>
-                <a:cs typeface="Courier New" charset="0"/>
-              </a:rPr>
-              <a:t>FactoMineR</a:t>
-            </a:r>
-            <a:endParaRPr lang="en-US" sz="2000" dirty="0">
-              <a:latin typeface="Courier New" charset="0"/>
-              <a:ea typeface="Courier New" charset="0"/>
-              <a:cs typeface="Courier New" charset="0"/>
-            </a:endParaRPr>
-          </a:p>
-          <a:p>
-            <a:pPr algn="ctr"/>
-            <a:endParaRPr lang="en-US" sz="2000" dirty="0" smtClean="0">
-              <a:latin typeface="Courier New" charset="0"/>
-              <a:ea typeface="Courier New" charset="0"/>
-              <a:cs typeface="Courier New" charset="0"/>
-            </a:endParaRPr>
-          </a:p>
-          <a:p>
-            <a:pPr algn="ctr"/>
-            <a:endParaRPr lang="en-US" sz="2000" dirty="0" smtClean="0">
-              <a:latin typeface="Courier New" charset="0"/>
-              <a:ea typeface="Courier New" charset="0"/>
-              <a:cs typeface="Courier New" charset="0"/>
-            </a:endParaRPr>
-          </a:p>
-          <a:p>
-            <a:pPr algn="ctr"/>
-            <a:endParaRPr lang="en-US" sz="2000" dirty="0">
-              <a:latin typeface="Courier New" charset="0"/>
-              <a:ea typeface="Courier New" charset="0"/>
-              <a:cs typeface="Courier New" charset="0"/>
-            </a:endParaRPr>
-          </a:p>
-        </p:txBody>
-      </p:sp>
-      <p:sp>
-        <p:nvSpPr>
-          <p:cNvPr id="73" name="Rectangle 72"/>
-          <p:cNvSpPr/>
-          <p:nvPr/>
-        </p:nvSpPr>
-        <p:spPr>
-          <a:xfrm>
-            <a:off x="2741190" y="4555578"/>
-            <a:ext cx="2494807" cy="769441"/>
-          </a:xfrm>
-          <a:prstGeom prst="rect">
-            <a:avLst/>
-          </a:prstGeom>
-        </p:spPr>
-        <p:txBody>
-          <a:bodyPr wrap="square">
-            <a:spAutoFit/>
-          </a:bodyPr>
-          <a:lstStyle/>
-          <a:p>
-            <a:pPr algn="ctr"/>
-            <a:r>
-              <a:rPr lang="en-US" sz="2200" b="1" dirty="0"/>
-              <a:t>Message-passing algorithms</a:t>
-            </a:r>
-          </a:p>
-        </p:txBody>
-      </p:sp>
-      <p:sp>
-        <p:nvSpPr>
-          <p:cNvPr id="74" name="TextBox 73"/>
-          <p:cNvSpPr txBox="1"/>
-          <p:nvPr/>
-        </p:nvSpPr>
-        <p:spPr>
-          <a:xfrm>
-            <a:off x="2711311" y="5712746"/>
-            <a:ext cx="2386932" cy="400110"/>
-          </a:xfrm>
-          <a:prstGeom prst="rect">
-            <a:avLst/>
-          </a:prstGeom>
-          <a:noFill/>
-          <a:ln>
-            <a:noFill/>
-          </a:ln>
-        </p:spPr>
-        <p:txBody>
-          <a:bodyPr wrap="square" rtlCol="0">
-            <a:spAutoFit/>
-          </a:bodyPr>
-          <a:lstStyle/>
-          <a:p>
-            <a:pPr algn="ctr"/>
-            <a:r>
-              <a:rPr lang="en-US" sz="2000" dirty="0"/>
-              <a:t>SNF: </a:t>
-            </a:r>
-            <a:r>
-              <a:rPr lang="en-US" sz="2000" dirty="0" err="1">
-                <a:latin typeface="Courier New" charset="0"/>
-                <a:ea typeface="Courier New" charset="0"/>
-                <a:cs typeface="Courier New" charset="0"/>
-              </a:rPr>
-              <a:t>SNFtool</a:t>
-            </a:r>
-            <a:endParaRPr lang="en-US" sz="2000" dirty="0">
-              <a:latin typeface="Courier New" charset="0"/>
-              <a:ea typeface="Courier New" charset="0"/>
-              <a:cs typeface="Courier New" charset="0"/>
-            </a:endParaRPr>
-          </a:p>
-        </p:txBody>
-      </p:sp>
-      <p:sp>
-        <p:nvSpPr>
-          <p:cNvPr id="75" name="TextBox 74"/>
-          <p:cNvSpPr txBox="1"/>
-          <p:nvPr/>
-        </p:nvSpPr>
-        <p:spPr>
-          <a:xfrm>
-            <a:off x="2751289" y="6202716"/>
-            <a:ext cx="2346954" cy="400110"/>
-          </a:xfrm>
-          <a:prstGeom prst="rect">
-            <a:avLst/>
-          </a:prstGeom>
-          <a:noFill/>
-          <a:ln>
-            <a:noFill/>
-          </a:ln>
-        </p:spPr>
-        <p:txBody>
-          <a:bodyPr wrap="square" rtlCol="0">
-            <a:spAutoFit/>
-          </a:bodyPr>
-          <a:lstStyle/>
-          <a:p>
-            <a:pPr algn="ctr"/>
-            <a:r>
-              <a:rPr lang="en-US" sz="2000" dirty="0"/>
-              <a:t>PANDA: </a:t>
-            </a:r>
-            <a:r>
-              <a:rPr lang="en-US" sz="2000" dirty="0" err="1">
-                <a:latin typeface="Courier New" charset="0"/>
-                <a:ea typeface="Courier New" charset="0"/>
-                <a:cs typeface="Courier New" charset="0"/>
-              </a:rPr>
-              <a:t>pandaR</a:t>
-            </a:r>
-            <a:endParaRPr lang="en-US" sz="2000" dirty="0">
-              <a:latin typeface="Courier New" charset="0"/>
-              <a:ea typeface="Courier New" charset="0"/>
-              <a:cs typeface="Courier New" charset="0"/>
-            </a:endParaRPr>
-          </a:p>
-        </p:txBody>
-      </p:sp>
-      <p:sp>
-        <p:nvSpPr>
-          <p:cNvPr id="76" name="Rectangle 75"/>
-          <p:cNvSpPr/>
-          <p:nvPr/>
-        </p:nvSpPr>
-        <p:spPr>
-          <a:xfrm>
-            <a:off x="5445395" y="4384305"/>
-            <a:ext cx="2170547" cy="1631216"/>
-          </a:xfrm>
-          <a:prstGeom prst="rect">
-            <a:avLst/>
-          </a:prstGeom>
-        </p:spPr>
-        <p:txBody>
-          <a:bodyPr wrap="square">
-            <a:spAutoFit/>
-          </a:bodyPr>
-          <a:lstStyle/>
-          <a:p>
-            <a:pPr algn="ctr"/>
-            <a:r>
-              <a:rPr lang="en-US" sz="2500" b="1" dirty="0"/>
-              <a:t>Non-negative matrix Factorization methods</a:t>
-            </a:r>
-          </a:p>
-        </p:txBody>
-      </p:sp>
-      <p:sp>
-        <p:nvSpPr>
-          <p:cNvPr id="77" name="TextBox 76"/>
-          <p:cNvSpPr txBox="1"/>
-          <p:nvPr/>
-        </p:nvSpPr>
-        <p:spPr>
-          <a:xfrm>
-            <a:off x="5365162" y="6279297"/>
-            <a:ext cx="2158424" cy="400110"/>
-          </a:xfrm>
-          <a:prstGeom prst="rect">
-            <a:avLst/>
-          </a:prstGeom>
-          <a:noFill/>
-          <a:ln>
-            <a:noFill/>
-          </a:ln>
-        </p:spPr>
-        <p:txBody>
-          <a:bodyPr wrap="square" rtlCol="0">
-            <a:spAutoFit/>
-          </a:bodyPr>
-          <a:lstStyle/>
-          <a:p>
-            <a:pPr algn="ctr"/>
-            <a:r>
-              <a:rPr lang="en-US" sz="2000" dirty="0"/>
-              <a:t>Joint </a:t>
-            </a:r>
-            <a:r>
-              <a:rPr lang="en-US" sz="2000" dirty="0" err="1"/>
-              <a:t>NMF</a:t>
-            </a:r>
-            <a:r>
-              <a:rPr lang="en-US" sz="2000" baseline="30000" dirty="0" err="1"/>
-              <a:t>a</a:t>
-            </a:r>
-            <a:endParaRPr lang="en-US" sz="2000" baseline="30000" dirty="0"/>
-          </a:p>
-        </p:txBody>
-      </p:sp>
-      <p:sp>
-        <p:nvSpPr>
-          <p:cNvPr id="78" name="TextBox 77"/>
-          <p:cNvSpPr txBox="1"/>
-          <p:nvPr/>
-        </p:nvSpPr>
-        <p:spPr>
-          <a:xfrm>
-            <a:off x="5407689" y="3422976"/>
-            <a:ext cx="2158424" cy="400110"/>
-          </a:xfrm>
-          <a:prstGeom prst="rect">
-            <a:avLst/>
-          </a:prstGeom>
-          <a:noFill/>
-          <a:ln>
-            <a:noFill/>
-          </a:ln>
-        </p:spPr>
-        <p:txBody>
-          <a:bodyPr wrap="square" rtlCol="0">
-            <a:spAutoFit/>
-          </a:bodyPr>
-          <a:lstStyle/>
-          <a:p>
-            <a:pPr algn="ctr"/>
-            <a:r>
-              <a:rPr lang="en-US" sz="2000" dirty="0" err="1"/>
-              <a:t>SNMNMF</a:t>
-            </a:r>
-            <a:r>
-              <a:rPr lang="en-US" sz="2000" baseline="30000" dirty="0" err="1"/>
-              <a:t>a</a:t>
-            </a:r>
-            <a:endParaRPr lang="en-US" sz="2000" baseline="30000" dirty="0"/>
-          </a:p>
-        </p:txBody>
-      </p:sp>
-      <p:sp>
-        <p:nvSpPr>
-          <p:cNvPr id="79" name="TextBox 78"/>
-          <p:cNvSpPr txBox="1"/>
-          <p:nvPr/>
-        </p:nvSpPr>
-        <p:spPr>
-          <a:xfrm>
-            <a:off x="9725155" y="4801057"/>
-            <a:ext cx="1401717" cy="830997"/>
-          </a:xfrm>
-          <a:prstGeom prst="rect">
-            <a:avLst/>
-          </a:prstGeom>
-          <a:noFill/>
-          <a:ln>
-            <a:noFill/>
-          </a:ln>
-        </p:spPr>
-        <p:txBody>
-          <a:bodyPr wrap="square" rtlCol="0">
-            <a:spAutoFit/>
-          </a:bodyPr>
-          <a:lstStyle/>
-          <a:p>
-            <a:pPr algn="ctr"/>
-            <a:r>
-              <a:rPr lang="en-US" sz="2400" b="1" dirty="0"/>
-              <a:t>Bayesian Methods</a:t>
-            </a:r>
-          </a:p>
-        </p:txBody>
-      </p:sp>
-      <p:sp>
-        <p:nvSpPr>
-          <p:cNvPr id="80" name="TextBox 79"/>
-          <p:cNvSpPr txBox="1"/>
-          <p:nvPr/>
-        </p:nvSpPr>
-        <p:spPr>
-          <a:xfrm>
-            <a:off x="9564639" y="6089012"/>
-            <a:ext cx="2080646" cy="400110"/>
-          </a:xfrm>
-          <a:prstGeom prst="rect">
-            <a:avLst/>
-          </a:prstGeom>
-          <a:noFill/>
-          <a:ln>
-            <a:noFill/>
-          </a:ln>
-        </p:spPr>
-        <p:txBody>
-          <a:bodyPr wrap="square" rtlCol="0">
-            <a:spAutoFit/>
-          </a:bodyPr>
-          <a:lstStyle/>
-          <a:p>
-            <a:pPr algn="ctr"/>
-            <a:r>
-              <a:rPr lang="en-US" sz="2000" dirty="0"/>
-              <a:t>BCC: </a:t>
-            </a:r>
-            <a:r>
-              <a:rPr lang="en-US" sz="2000" dirty="0" err="1">
-                <a:latin typeface="Courier New" charset="0"/>
-                <a:ea typeface="Courier New" charset="0"/>
-                <a:cs typeface="Courier New" charset="0"/>
-              </a:rPr>
-              <a:t>bayesCC</a:t>
-            </a:r>
-            <a:endParaRPr lang="en-US" sz="2000" dirty="0">
-              <a:latin typeface="Courier New" charset="0"/>
-              <a:ea typeface="Courier New" charset="0"/>
-              <a:cs typeface="Courier New" charset="0"/>
-            </a:endParaRPr>
-          </a:p>
-        </p:txBody>
-      </p:sp>
-      <p:sp>
-        <p:nvSpPr>
-          <p:cNvPr id="81" name="TextBox 80"/>
-          <p:cNvSpPr txBox="1"/>
-          <p:nvPr/>
-        </p:nvSpPr>
-        <p:spPr>
-          <a:xfrm>
-            <a:off x="11749160" y="6264497"/>
-            <a:ext cx="1168123" cy="400110"/>
-          </a:xfrm>
-          <a:prstGeom prst="rect">
-            <a:avLst/>
-          </a:prstGeom>
-          <a:noFill/>
-          <a:ln>
-            <a:noFill/>
-          </a:ln>
-        </p:spPr>
-        <p:txBody>
-          <a:bodyPr wrap="square" rtlCol="0">
-            <a:spAutoFit/>
-          </a:bodyPr>
-          <a:lstStyle/>
-          <a:p>
-            <a:pPr algn="ctr"/>
-            <a:r>
-              <a:rPr lang="en-US" sz="2000" dirty="0" err="1"/>
-              <a:t>iBAG</a:t>
-            </a:r>
-            <a:r>
-              <a:rPr lang="en-US" sz="2000" baseline="30000" dirty="0" err="1"/>
               <a:t>b</a:t>
             </a:r>
-            <a:endParaRPr lang="en-US" sz="2000" baseline="30000" dirty="0"/>
-          </a:p>
-        </p:txBody>
-      </p:sp>
-      <p:sp>
-        <p:nvSpPr>
-          <p:cNvPr id="82" name="TextBox 81"/>
-          <p:cNvSpPr txBox="1"/>
-          <p:nvPr/>
-        </p:nvSpPr>
-        <p:spPr>
-          <a:xfrm>
-            <a:off x="9760935" y="6578616"/>
-            <a:ext cx="1642731" cy="400110"/>
-          </a:xfrm>
-          <a:prstGeom prst="rect">
-            <a:avLst/>
-          </a:prstGeom>
-          <a:noFill/>
-          <a:ln>
-            <a:noFill/>
-          </a:ln>
-        </p:spPr>
-        <p:txBody>
-          <a:bodyPr wrap="square" rtlCol="0">
-            <a:spAutoFit/>
-          </a:bodyPr>
-          <a:lstStyle/>
-          <a:p>
-            <a:pPr algn="ctr"/>
-            <a:r>
-              <a:rPr lang="en-US" sz="2000" dirty="0" err="1"/>
-              <a:t>RIMBANET</a:t>
-            </a:r>
-            <a:r>
-              <a:rPr lang="en-US" sz="2000" baseline="30000" dirty="0" err="1"/>
-              <a:t>c</a:t>
-            </a:r>
-            <a:endParaRPr lang="en-US" sz="2000" baseline="30000" dirty="0"/>
-          </a:p>
-        </p:txBody>
-      </p:sp>
-      <p:sp>
-        <p:nvSpPr>
-          <p:cNvPr id="83" name="Rectangle 82"/>
-          <p:cNvSpPr/>
-          <p:nvPr/>
-        </p:nvSpPr>
-        <p:spPr>
-          <a:xfrm>
-            <a:off x="13975629" y="3214953"/>
-            <a:ext cx="3765302" cy="972574"/>
-          </a:xfrm>
-          <a:prstGeom prst="rect">
-            <a:avLst/>
-          </a:prstGeom>
-        </p:spPr>
-        <p:txBody>
-          <a:bodyPr wrap="square">
-            <a:spAutoFit/>
-          </a:bodyPr>
-          <a:lstStyle/>
-          <a:p>
-            <a:pPr algn="ctr"/>
-            <a:r>
-              <a:rPr lang="en-US" b="1" dirty="0"/>
-              <a:t>Classification </a:t>
-            </a:r>
-            <a:r>
-              <a:rPr lang="en-US" b="1"/>
-              <a:t>and regression algorithms</a:t>
-            </a:r>
-            <a:endParaRPr lang="en-US" b="1" dirty="0"/>
-          </a:p>
-        </p:txBody>
-      </p:sp>
-      <p:sp>
-        <p:nvSpPr>
-          <p:cNvPr id="84" name="TextBox 83"/>
-          <p:cNvSpPr txBox="1"/>
-          <p:nvPr/>
-        </p:nvSpPr>
-        <p:spPr>
-          <a:xfrm>
-            <a:off x="14239023" y="5325019"/>
-            <a:ext cx="3334042" cy="707886"/>
-          </a:xfrm>
-          <a:prstGeom prst="rect">
-            <a:avLst/>
-          </a:prstGeom>
-          <a:noFill/>
-          <a:ln>
-            <a:noFill/>
-          </a:ln>
-        </p:spPr>
-        <p:txBody>
-          <a:bodyPr wrap="square" rtlCol="0">
-            <a:spAutoFit/>
-          </a:bodyPr>
-          <a:lstStyle/>
-          <a:p>
-            <a:pPr algn="ctr"/>
-            <a:r>
-              <a:rPr lang="en-US" sz="2000" dirty="0"/>
-              <a:t>Concatenation: </a:t>
-            </a:r>
-            <a:r>
-              <a:rPr lang="en-US" sz="2000" dirty="0">
-                <a:latin typeface="Courier New" charset="0"/>
-                <a:ea typeface="Courier New" charset="0"/>
-                <a:cs typeface="Courier New" charset="0"/>
-              </a:rPr>
-              <a:t>caret</a:t>
-            </a:r>
-          </a:p>
-          <a:p>
-            <a:pPr algn="ctr"/>
-            <a:r>
-              <a:rPr lang="en-US" sz="2000" dirty="0"/>
-              <a:t>Ensemble: </a:t>
-            </a:r>
-            <a:r>
-              <a:rPr lang="en-US" sz="2000" dirty="0" err="1">
-                <a:latin typeface="Courier New" charset="0"/>
-                <a:ea typeface="Courier New" charset="0"/>
-                <a:cs typeface="Courier New" charset="0"/>
-              </a:rPr>
-              <a:t>caretEnsemble</a:t>
-            </a:r>
-            <a:endParaRPr lang="en-US" sz="2000" dirty="0">
-              <a:latin typeface="Courier New" charset="0"/>
-              <a:ea typeface="Courier New" charset="0"/>
-              <a:cs typeface="Courier New" charset="0"/>
-            </a:endParaRPr>
-          </a:p>
-        </p:txBody>
-      </p:sp>
-      <p:sp>
-        <p:nvSpPr>
-          <p:cNvPr id="85" name="TextBox 84"/>
-          <p:cNvSpPr txBox="1"/>
-          <p:nvPr/>
-        </p:nvSpPr>
-        <p:spPr>
-          <a:xfrm>
-            <a:off x="15004987" y="1984077"/>
-            <a:ext cx="2430688" cy="400110"/>
-          </a:xfrm>
-          <a:prstGeom prst="rect">
-            <a:avLst/>
-          </a:prstGeom>
-          <a:noFill/>
-          <a:ln>
-            <a:noFill/>
-          </a:ln>
-        </p:spPr>
-        <p:txBody>
-          <a:bodyPr wrap="square" rtlCol="0">
-            <a:spAutoFit/>
-          </a:bodyPr>
-          <a:lstStyle/>
-          <a:p>
-            <a:pPr algn="ctr"/>
-            <a:r>
-              <a:rPr lang="en-US" sz="2000" dirty="0" err="1"/>
-              <a:t>stSVM</a:t>
-            </a:r>
-            <a:r>
-              <a:rPr lang="en-US" sz="2000" dirty="0"/>
-              <a:t>: </a:t>
-            </a:r>
-            <a:r>
-              <a:rPr lang="en-US" sz="2000" dirty="0" err="1">
-                <a:latin typeface="Courier New" charset="0"/>
-                <a:ea typeface="Courier New" charset="0"/>
-                <a:cs typeface="Courier New" charset="0"/>
-              </a:rPr>
-              <a:t>netclass</a:t>
-            </a:r>
-            <a:endParaRPr lang="en-US" sz="2000" dirty="0">
-              <a:latin typeface="Courier New" charset="0"/>
-              <a:ea typeface="Courier New" charset="0"/>
-              <a:cs typeface="Courier New" charset="0"/>
-            </a:endParaRPr>
-          </a:p>
-        </p:txBody>
-      </p:sp>
-      <p:sp>
-        <p:nvSpPr>
-          <p:cNvPr id="87" name="Rectangle 86"/>
-          <p:cNvSpPr/>
-          <p:nvPr/>
-        </p:nvSpPr>
-        <p:spPr>
-          <a:xfrm>
-            <a:off x="14700640" y="1423899"/>
-            <a:ext cx="3024406" cy="477054"/>
-          </a:xfrm>
-          <a:prstGeom prst="rect">
-            <a:avLst/>
-          </a:prstGeom>
-          <a:solidFill>
-            <a:schemeClr val="bg1">
-              <a:alpha val="0"/>
-            </a:schemeClr>
-          </a:solidFill>
-        </p:spPr>
-        <p:txBody>
-          <a:bodyPr wrap="square">
-            <a:spAutoFit/>
-          </a:bodyPr>
-          <a:lstStyle/>
-          <a:p>
-            <a:pPr algn="ctr">
-              <a:spcBef>
-                <a:spcPts val="1200"/>
-              </a:spcBef>
-              <a:spcAft>
-                <a:spcPts val="1200"/>
-              </a:spcAft>
-            </a:pPr>
-            <a:r>
-              <a:rPr lang="en-US" sz="2500" b="1"/>
-              <a:t>Network-constrained</a:t>
-            </a:r>
-          </a:p>
-        </p:txBody>
-      </p:sp>
-      <p:sp>
-        <p:nvSpPr>
-          <p:cNvPr id="31" name="TextBox 30"/>
-          <p:cNvSpPr txBox="1"/>
-          <p:nvPr/>
-        </p:nvSpPr>
-        <p:spPr>
-          <a:xfrm>
-            <a:off x="7615943" y="4319612"/>
-            <a:ext cx="2117999" cy="1138773"/>
-          </a:xfrm>
-          <a:prstGeom prst="rect">
-            <a:avLst/>
-          </a:prstGeom>
-          <a:noFill/>
-          <a:ln>
-            <a:noFill/>
-          </a:ln>
-        </p:spPr>
-        <p:txBody>
-          <a:bodyPr wrap="square" rtlCol="0">
-            <a:spAutoFit/>
-          </a:bodyPr>
-          <a:lstStyle/>
-          <a:p>
-            <a:pPr algn="ctr"/>
-            <a:r>
-              <a:rPr lang="en-US" sz="1700" dirty="0"/>
-              <a:t>MCIA: </a:t>
-            </a:r>
-            <a:endParaRPr lang="en-US" sz="1700" dirty="0" smtClean="0"/>
-          </a:p>
-          <a:p>
-            <a:pPr algn="ctr"/>
-            <a:r>
-              <a:rPr lang="en-US" sz="1700" dirty="0" smtClean="0">
-                <a:latin typeface="Courier New" charset="0"/>
-                <a:ea typeface="Courier New" charset="0"/>
-                <a:cs typeface="Courier New" charset="0"/>
-              </a:rPr>
-              <a:t>Omicade4</a:t>
-            </a:r>
-          </a:p>
-          <a:p>
-            <a:pPr algn="ctr"/>
-            <a:r>
-              <a:rPr lang="en-US" sz="1700" dirty="0" err="1"/>
-              <a:t>r</a:t>
-            </a:r>
-            <a:r>
-              <a:rPr lang="en-US" sz="1700" dirty="0" err="1" smtClean="0"/>
-              <a:t>GCCA</a:t>
-            </a:r>
-            <a:r>
-              <a:rPr lang="en-US" sz="1700" dirty="0" smtClean="0"/>
-              <a:t>: </a:t>
-            </a:r>
-            <a:endParaRPr lang="en-US" sz="1700" dirty="0"/>
-          </a:p>
-          <a:p>
-            <a:pPr algn="ctr"/>
-            <a:r>
-              <a:rPr lang="en-US" sz="1700" dirty="0">
-                <a:latin typeface="Courier New" charset="0"/>
-                <a:ea typeface="Courier New" charset="0"/>
-                <a:cs typeface="Courier New" charset="0"/>
-              </a:rPr>
-              <a:t>RGCCA/</a:t>
-            </a:r>
-            <a:r>
-              <a:rPr lang="en-US" sz="1700" dirty="0" err="1">
-                <a:latin typeface="Courier New" charset="0"/>
-                <a:ea typeface="Courier New" charset="0"/>
-                <a:cs typeface="Courier New" charset="0"/>
-              </a:rPr>
-              <a:t>mixOmics</a:t>
-            </a:r>
-            <a:endParaRPr lang="en-US" sz="1700" dirty="0">
-              <a:latin typeface="Courier New" charset="0"/>
-              <a:ea typeface="Courier New" charset="0"/>
-              <a:cs typeface="Courier New" charset="0"/>
-            </a:endParaRPr>
-          </a:p>
-        </p:txBody>
-      </p:sp>
-      <p:sp>
-        <p:nvSpPr>
-          <p:cNvPr id="32" name="TextBox 31"/>
-          <p:cNvSpPr txBox="1"/>
-          <p:nvPr/>
-        </p:nvSpPr>
-        <p:spPr>
-          <a:xfrm>
-            <a:off x="11155046" y="1994338"/>
-            <a:ext cx="3396956" cy="1323439"/>
-          </a:xfrm>
-          <a:prstGeom prst="rect">
-            <a:avLst/>
-          </a:prstGeom>
-          <a:noFill/>
-          <a:ln>
-            <a:noFill/>
-          </a:ln>
-        </p:spPr>
-        <p:txBody>
-          <a:bodyPr wrap="square" rtlCol="0">
-            <a:spAutoFit/>
-          </a:bodyPr>
-          <a:lstStyle/>
-          <a:p>
-            <a:pPr algn="ctr"/>
-            <a:r>
-              <a:rPr lang="en-US" sz="2000" dirty="0" err="1"/>
-              <a:t>sMB-PLS</a:t>
-            </a:r>
-            <a:r>
-              <a:rPr lang="en-US" sz="2000" baseline="30000" dirty="0" err="1"/>
-              <a:t>a</a:t>
-            </a:r>
-            <a:endParaRPr lang="en-US" sz="2000" baseline="30000" dirty="0"/>
-          </a:p>
-          <a:p>
-            <a:pPr algn="ctr"/>
-            <a:r>
-              <a:rPr lang="en-US" sz="2000" dirty="0"/>
-              <a:t>SMSMA: </a:t>
-            </a:r>
-            <a:r>
-              <a:rPr lang="en-US" sz="2000" dirty="0" err="1">
-                <a:latin typeface="Courier New" charset="0"/>
-                <a:ea typeface="Courier New" charset="0"/>
-                <a:cs typeface="Courier New" charset="0"/>
-              </a:rPr>
-              <a:t>msma</a:t>
-            </a:r>
-            <a:endParaRPr lang="en-US" sz="2000" dirty="0">
-              <a:latin typeface="Courier New" charset="0"/>
-              <a:ea typeface="Courier New" charset="0"/>
-              <a:cs typeface="Courier New" charset="0"/>
-            </a:endParaRPr>
-          </a:p>
-          <a:p>
-            <a:pPr algn="ctr"/>
-            <a:r>
-              <a:rPr lang="en-US" sz="2000" dirty="0"/>
-              <a:t>DIABLO: </a:t>
-            </a:r>
-            <a:r>
-              <a:rPr lang="en-US" sz="2000" dirty="0" err="1">
-                <a:latin typeface="Courier New" charset="0"/>
-                <a:ea typeface="Courier New" charset="0"/>
-                <a:cs typeface="Courier New" charset="0"/>
-              </a:rPr>
-              <a:t>mixOmics</a:t>
-            </a:r>
-            <a:endParaRPr lang="en-US" sz="2000" dirty="0">
-              <a:latin typeface="Courier New" charset="0"/>
-              <a:ea typeface="Courier New" charset="0"/>
-              <a:cs typeface="Courier New" charset="0"/>
-            </a:endParaRPr>
-          </a:p>
-          <a:p>
-            <a:pPr algn="ctr"/>
-            <a:endParaRPr lang="en-US" sz="2000" dirty="0">
-              <a:latin typeface="Courier New" charset="0"/>
-              <a:ea typeface="Courier New" charset="0"/>
-              <a:cs typeface="Courier New" charset="0"/>
-            </a:endParaRPr>
-          </a:p>
-        </p:txBody>
-      </p:sp>
-      <p:sp>
-        <p:nvSpPr>
-          <p:cNvPr id="33" name="TextBox 32"/>
-          <p:cNvSpPr txBox="1"/>
-          <p:nvPr/>
-        </p:nvSpPr>
-        <p:spPr>
-          <a:xfrm>
-            <a:off x="9684114" y="3793597"/>
-            <a:ext cx="1664966" cy="707886"/>
-          </a:xfrm>
-          <a:prstGeom prst="rect">
-            <a:avLst/>
-          </a:prstGeom>
-          <a:noFill/>
-          <a:ln>
-            <a:noFill/>
-          </a:ln>
-        </p:spPr>
-        <p:txBody>
-          <a:bodyPr wrap="square" rtlCol="0">
-            <a:spAutoFit/>
-          </a:bodyPr>
-          <a:lstStyle/>
-          <a:p>
-            <a:pPr algn="ctr"/>
-            <a:r>
-              <a:rPr lang="en-US" sz="2000" dirty="0"/>
-              <a:t>MOFA</a:t>
-            </a:r>
-            <a:r>
-              <a:rPr lang="en-US" sz="2000"/>
-              <a:t>: </a:t>
-            </a:r>
-          </a:p>
-          <a:p>
-            <a:pPr algn="ctr"/>
-            <a:r>
-              <a:rPr lang="en-US" sz="2000" dirty="0" err="1" smtClean="0">
-                <a:latin typeface="Courier New" charset="0"/>
-                <a:ea typeface="Courier New" charset="0"/>
-                <a:cs typeface="Courier New" charset="0"/>
-              </a:rPr>
-              <a:t>MOFAtools</a:t>
-            </a:r>
-            <a:endParaRPr lang="en-US" sz="2000" dirty="0">
-              <a:latin typeface="Courier New" charset="0"/>
-              <a:ea typeface="Courier New" charset="0"/>
-              <a:cs typeface="Courier New" charset="0"/>
+            <a:endParaRPr lang="en-US" baseline="30000" dirty="0">
+              <a:solidFill>
+                <a:schemeClr val="tx1"/>
+              </a:solidFill>
             </a:endParaRPr>
           </a:p>
         </p:txBody>
